--- a/velopert-redux/redux.pptx
+++ b/velopert-redux/redux.pptx
@@ -4,8 +4,12 @@
   <p:sldMasterIdLst>
     <p:sldMasterId id="2147483648" r:id="rId1"/>
   </p:sldMasterIdLst>
+  <p:notesMasterIdLst>
+    <p:notesMasterId r:id="rId4"/>
+  </p:notesMasterIdLst>
   <p:sldIdLst>
     <p:sldId id="256" r:id="rId2"/>
+    <p:sldId id="257" r:id="rId3"/>
   </p:sldIdLst>
   <p:sldSz cx="12192000" cy="6858000"/>
   <p:notesSz cx="6858000" cy="9144000"/>
@@ -123,6 +127,356 @@
 </p:presentation>
 </file>
 
+<file path=ppt/notesMasters/notesMaster1.xml><?xml version="1.0" encoding="utf-8"?>
+<p:notesMaster xmlns:a="http://schemas.openxmlformats.org/drawingml/2006/main" xmlns:r="http://schemas.openxmlformats.org/officeDocument/2006/relationships" xmlns:p="http://schemas.openxmlformats.org/presentationml/2006/main">
+  <p:cSld>
+    <p:bg>
+      <p:bgRef idx="1001">
+        <a:schemeClr val="bg1"/>
+      </p:bgRef>
+    </p:bg>
+    <p:spTree>
+      <p:nvGrpSpPr>
+        <p:cNvPr id="1" name=""/>
+        <p:cNvGrpSpPr/>
+        <p:nvPr/>
+      </p:nvGrpSpPr>
+      <p:grpSpPr>
+        <a:xfrm>
+          <a:off x="0" y="0"/>
+          <a:ext cx="0" cy="0"/>
+          <a:chOff x="0" y="0"/>
+          <a:chExt cx="0" cy="0"/>
+        </a:xfrm>
+      </p:grpSpPr>
+      <p:sp>
+        <p:nvSpPr>
+          <p:cNvPr id="2" name="머리글 개체 틀 1"/>
+          <p:cNvSpPr>
+            <a:spLocks noGrp="1"/>
+          </p:cNvSpPr>
+          <p:nvPr>
+            <p:ph type="hdr" sz="quarter"/>
+          </p:nvPr>
+        </p:nvSpPr>
+        <p:spPr>
+          <a:xfrm>
+            <a:off x="0" y="0"/>
+            <a:ext cx="2971800" cy="458788"/>
+          </a:xfrm>
+          <a:prstGeom prst="rect">
+            <a:avLst/>
+          </a:prstGeom>
+        </p:spPr>
+        <p:txBody>
+          <a:bodyPr vert="horz" lIns="91440" tIns="45720" rIns="91440" bIns="45720" rtlCol="0"/>
+          <a:lstStyle>
+            <a:lvl1pPr algn="l">
+              <a:defRPr sz="1200"/>
+            </a:lvl1pPr>
+          </a:lstStyle>
+          <a:p>
+            <a:endParaRPr kumimoji="1" lang="ko-KR" altLang="en-US"/>
+          </a:p>
+        </p:txBody>
+      </p:sp>
+      <p:sp>
+        <p:nvSpPr>
+          <p:cNvPr id="3" name="날짜 개체 틀 2"/>
+          <p:cNvSpPr>
+            <a:spLocks noGrp="1"/>
+          </p:cNvSpPr>
+          <p:nvPr>
+            <p:ph type="dt" idx="1"/>
+          </p:nvPr>
+        </p:nvSpPr>
+        <p:spPr>
+          <a:xfrm>
+            <a:off x="3884613" y="0"/>
+            <a:ext cx="2971800" cy="458788"/>
+          </a:xfrm>
+          <a:prstGeom prst="rect">
+            <a:avLst/>
+          </a:prstGeom>
+        </p:spPr>
+        <p:txBody>
+          <a:bodyPr vert="horz" lIns="91440" tIns="45720" rIns="91440" bIns="45720" rtlCol="0"/>
+          <a:lstStyle>
+            <a:lvl1pPr algn="r">
+              <a:defRPr sz="1200"/>
+            </a:lvl1pPr>
+          </a:lstStyle>
+          <a:p>
+            <a:fld id="{7EB691FA-BA24-C34F-90E4-5B8BAA297741}" type="datetimeFigureOut">
+              <a:rPr kumimoji="1" lang="ko-KR" altLang="en-US" smtClean="0"/>
+              <a:t>2017. 10. 22.</a:t>
+            </a:fld>
+            <a:endParaRPr kumimoji="1" lang="ko-KR" altLang="en-US"/>
+          </a:p>
+        </p:txBody>
+      </p:sp>
+      <p:sp>
+        <p:nvSpPr>
+          <p:cNvPr id="4" name="슬라이드 이미지 개체 틀 3"/>
+          <p:cNvSpPr>
+            <a:spLocks noGrp="1" noRot="1" noChangeAspect="1"/>
+          </p:cNvSpPr>
+          <p:nvPr>
+            <p:ph type="sldImg" idx="2"/>
+          </p:nvPr>
+        </p:nvSpPr>
+        <p:spPr>
+          <a:xfrm>
+            <a:off x="685800" y="1143000"/>
+            <a:ext cx="5486400" cy="3086100"/>
+          </a:xfrm>
+          <a:prstGeom prst="rect">
+            <a:avLst/>
+          </a:prstGeom>
+          <a:noFill/>
+          <a:ln w="12700">
+            <a:solidFill>
+              <a:prstClr val="black"/>
+            </a:solidFill>
+          </a:ln>
+        </p:spPr>
+        <p:txBody>
+          <a:bodyPr vert="horz" lIns="91440" tIns="45720" rIns="91440" bIns="45720" rtlCol="0" anchor="ctr"/>
+          <a:lstStyle/>
+          <a:p>
+            <a:endParaRPr lang="ko-KR" altLang="en-US"/>
+          </a:p>
+        </p:txBody>
+      </p:sp>
+      <p:sp>
+        <p:nvSpPr>
+          <p:cNvPr id="5" name="슬라이드 노트 개체 틀 4"/>
+          <p:cNvSpPr>
+            <a:spLocks noGrp="1"/>
+          </p:cNvSpPr>
+          <p:nvPr>
+            <p:ph type="body" sz="quarter" idx="3"/>
+          </p:nvPr>
+        </p:nvSpPr>
+        <p:spPr>
+          <a:xfrm>
+            <a:off x="685800" y="4400550"/>
+            <a:ext cx="5486400" cy="3600450"/>
+          </a:xfrm>
+          <a:prstGeom prst="rect">
+            <a:avLst/>
+          </a:prstGeom>
+        </p:spPr>
+        <p:txBody>
+          <a:bodyPr vert="horz" lIns="91440" tIns="45720" rIns="91440" bIns="45720" rtlCol="0"/>
+          <a:lstStyle/>
+          <a:p>
+            <a:pPr lvl="0"/>
+            <a:r>
+              <a:rPr kumimoji="1" lang="ko-KR" altLang="en-US" smtClean="0"/>
+              <a:t>마스터 텍스트 스타일을 편집하려면 클릭</a:t>
+            </a:r>
+          </a:p>
+          <a:p>
+            <a:pPr lvl="1"/>
+            <a:r>
+              <a:rPr kumimoji="1" lang="ko-KR" altLang="en-US" smtClean="0"/>
+              <a:t>두 번째 수준</a:t>
+            </a:r>
+          </a:p>
+          <a:p>
+            <a:pPr lvl="2"/>
+            <a:r>
+              <a:rPr kumimoji="1" lang="ko-KR" altLang="en-US" smtClean="0"/>
+              <a:t>세 번째 수준</a:t>
+            </a:r>
+          </a:p>
+          <a:p>
+            <a:pPr lvl="3"/>
+            <a:r>
+              <a:rPr kumimoji="1" lang="ko-KR" altLang="en-US" smtClean="0"/>
+              <a:t>네 번째 수준</a:t>
+            </a:r>
+          </a:p>
+          <a:p>
+            <a:pPr lvl="4"/>
+            <a:r>
+              <a:rPr kumimoji="1" lang="ko-KR" altLang="en-US" smtClean="0"/>
+              <a:t>다섯 번째 수준</a:t>
+            </a:r>
+            <a:endParaRPr kumimoji="1" lang="ko-KR" altLang="en-US"/>
+          </a:p>
+        </p:txBody>
+      </p:sp>
+      <p:sp>
+        <p:nvSpPr>
+          <p:cNvPr id="6" name="바닥글 개체 틀 5"/>
+          <p:cNvSpPr>
+            <a:spLocks noGrp="1"/>
+          </p:cNvSpPr>
+          <p:nvPr>
+            <p:ph type="ftr" sz="quarter" idx="4"/>
+          </p:nvPr>
+        </p:nvSpPr>
+        <p:spPr>
+          <a:xfrm>
+            <a:off x="0" y="8685213"/>
+            <a:ext cx="2971800" cy="458787"/>
+          </a:xfrm>
+          <a:prstGeom prst="rect">
+            <a:avLst/>
+          </a:prstGeom>
+        </p:spPr>
+        <p:txBody>
+          <a:bodyPr vert="horz" lIns="91440" tIns="45720" rIns="91440" bIns="45720" rtlCol="0" anchor="b"/>
+          <a:lstStyle>
+            <a:lvl1pPr algn="l">
+              <a:defRPr sz="1200"/>
+            </a:lvl1pPr>
+          </a:lstStyle>
+          <a:p>
+            <a:endParaRPr kumimoji="1" lang="ko-KR" altLang="en-US"/>
+          </a:p>
+        </p:txBody>
+      </p:sp>
+      <p:sp>
+        <p:nvSpPr>
+          <p:cNvPr id="7" name="슬라이드 번호 개체 틀 6"/>
+          <p:cNvSpPr>
+            <a:spLocks noGrp="1"/>
+          </p:cNvSpPr>
+          <p:nvPr>
+            <p:ph type="sldNum" sz="quarter" idx="5"/>
+          </p:nvPr>
+        </p:nvSpPr>
+        <p:spPr>
+          <a:xfrm>
+            <a:off x="3884613" y="8685213"/>
+            <a:ext cx="2971800" cy="458787"/>
+          </a:xfrm>
+          <a:prstGeom prst="rect">
+            <a:avLst/>
+          </a:prstGeom>
+        </p:spPr>
+        <p:txBody>
+          <a:bodyPr vert="horz" lIns="91440" tIns="45720" rIns="91440" bIns="45720" rtlCol="0" anchor="b"/>
+          <a:lstStyle>
+            <a:lvl1pPr algn="r">
+              <a:defRPr sz="1200"/>
+            </a:lvl1pPr>
+          </a:lstStyle>
+          <a:p>
+            <a:fld id="{3EC47FA7-0D1C-5A42-9B91-3B5EF3A25152}" type="slidenum">
+              <a:rPr kumimoji="1" lang="ko-KR" altLang="en-US" smtClean="0"/>
+              <a:t>‹#›</a:t>
+            </a:fld>
+            <a:endParaRPr kumimoji="1" lang="ko-KR" altLang="en-US"/>
+          </a:p>
+        </p:txBody>
+      </p:sp>
+    </p:spTree>
+    <p:extLst>
+      <p:ext uri="{BB962C8B-B14F-4D97-AF65-F5344CB8AC3E}">
+        <p14:creationId xmlns:p14="http://schemas.microsoft.com/office/powerpoint/2010/main" val="525598368"/>
+      </p:ext>
+    </p:extLst>
+  </p:cSld>
+  <p:clrMap bg1="lt1" tx1="dk1" bg2="lt2" tx2="dk2" accent1="accent1" accent2="accent2" accent3="accent3" accent4="accent4" accent5="accent5" accent6="accent6" hlink="hlink" folHlink="folHlink"/>
+  <p:notesStyle>
+    <a:lvl1pPr marL="0" algn="l" defTabSz="914400" rtl="0" eaLnBrk="1" latinLnBrk="1" hangingPunct="1">
+      <a:defRPr sz="1200" kern="1200">
+        <a:solidFill>
+          <a:schemeClr val="tx1"/>
+        </a:solidFill>
+        <a:latin typeface="+mn-lt"/>
+        <a:ea typeface="+mn-ea"/>
+        <a:cs typeface="+mn-cs"/>
+      </a:defRPr>
+    </a:lvl1pPr>
+    <a:lvl2pPr marL="457200" algn="l" defTabSz="914400" rtl="0" eaLnBrk="1" latinLnBrk="1" hangingPunct="1">
+      <a:defRPr sz="1200" kern="1200">
+        <a:solidFill>
+          <a:schemeClr val="tx1"/>
+        </a:solidFill>
+        <a:latin typeface="+mn-lt"/>
+        <a:ea typeface="+mn-ea"/>
+        <a:cs typeface="+mn-cs"/>
+      </a:defRPr>
+    </a:lvl2pPr>
+    <a:lvl3pPr marL="914400" algn="l" defTabSz="914400" rtl="0" eaLnBrk="1" latinLnBrk="1" hangingPunct="1">
+      <a:defRPr sz="1200" kern="1200">
+        <a:solidFill>
+          <a:schemeClr val="tx1"/>
+        </a:solidFill>
+        <a:latin typeface="+mn-lt"/>
+        <a:ea typeface="+mn-ea"/>
+        <a:cs typeface="+mn-cs"/>
+      </a:defRPr>
+    </a:lvl3pPr>
+    <a:lvl4pPr marL="1371600" algn="l" defTabSz="914400" rtl="0" eaLnBrk="1" latinLnBrk="1" hangingPunct="1">
+      <a:defRPr sz="1200" kern="1200">
+        <a:solidFill>
+          <a:schemeClr val="tx1"/>
+        </a:solidFill>
+        <a:latin typeface="+mn-lt"/>
+        <a:ea typeface="+mn-ea"/>
+        <a:cs typeface="+mn-cs"/>
+      </a:defRPr>
+    </a:lvl4pPr>
+    <a:lvl5pPr marL="1828800" algn="l" defTabSz="914400" rtl="0" eaLnBrk="1" latinLnBrk="1" hangingPunct="1">
+      <a:defRPr sz="1200" kern="1200">
+        <a:solidFill>
+          <a:schemeClr val="tx1"/>
+        </a:solidFill>
+        <a:latin typeface="+mn-lt"/>
+        <a:ea typeface="+mn-ea"/>
+        <a:cs typeface="+mn-cs"/>
+      </a:defRPr>
+    </a:lvl5pPr>
+    <a:lvl6pPr marL="2286000" algn="l" defTabSz="914400" rtl="0" eaLnBrk="1" latinLnBrk="1" hangingPunct="1">
+      <a:defRPr sz="1200" kern="1200">
+        <a:solidFill>
+          <a:schemeClr val="tx1"/>
+        </a:solidFill>
+        <a:latin typeface="+mn-lt"/>
+        <a:ea typeface="+mn-ea"/>
+        <a:cs typeface="+mn-cs"/>
+      </a:defRPr>
+    </a:lvl6pPr>
+    <a:lvl7pPr marL="2743200" algn="l" defTabSz="914400" rtl="0" eaLnBrk="1" latinLnBrk="1" hangingPunct="1">
+      <a:defRPr sz="1200" kern="1200">
+        <a:solidFill>
+          <a:schemeClr val="tx1"/>
+        </a:solidFill>
+        <a:latin typeface="+mn-lt"/>
+        <a:ea typeface="+mn-ea"/>
+        <a:cs typeface="+mn-cs"/>
+      </a:defRPr>
+    </a:lvl7pPr>
+    <a:lvl8pPr marL="3200400" algn="l" defTabSz="914400" rtl="0" eaLnBrk="1" latinLnBrk="1" hangingPunct="1">
+      <a:defRPr sz="1200" kern="1200">
+        <a:solidFill>
+          <a:schemeClr val="tx1"/>
+        </a:solidFill>
+        <a:latin typeface="+mn-lt"/>
+        <a:ea typeface="+mn-ea"/>
+        <a:cs typeface="+mn-cs"/>
+      </a:defRPr>
+    </a:lvl8pPr>
+    <a:lvl9pPr marL="3657600" algn="l" defTabSz="914400" rtl="0" eaLnBrk="1" latinLnBrk="1" hangingPunct="1">
+      <a:defRPr sz="1200" kern="1200">
+        <a:solidFill>
+          <a:schemeClr val="tx1"/>
+        </a:solidFill>
+        <a:latin typeface="+mn-lt"/>
+        <a:ea typeface="+mn-ea"/>
+        <a:cs typeface="+mn-cs"/>
+      </a:defRPr>
+    </a:lvl9pPr>
+  </p:notesStyle>
+</p:notesMaster>
+</file>
+
 <file path=ppt/slideLayouts/slideLayout1.xml><?xml version="1.0" encoding="utf-8"?>
 <p:sldLayout xmlns:a="http://schemas.openxmlformats.org/drawingml/2006/main" xmlns:r="http://schemas.openxmlformats.org/officeDocument/2006/relationships" xmlns:p="http://schemas.openxmlformats.org/presentationml/2006/main" type="title" preserve="1">
   <p:cSld name="제목 슬라이드">
@@ -254,7 +608,7 @@
           <a:p>
             <a:fld id="{D1AA044E-90AB-414C-A247-2B835427A922}" type="datetimeFigureOut">
               <a:rPr kumimoji="1" lang="ko-KR" altLang="en-US" smtClean="0"/>
-              <a:t>2017. 10. 18.</a:t>
+              <a:t>2017. 10. 22.</a:t>
             </a:fld>
             <a:endParaRPr kumimoji="1" lang="ko-KR" altLang="en-US"/>
           </a:p>
@@ -424,7 +778,7 @@
           <a:p>
             <a:fld id="{D1AA044E-90AB-414C-A247-2B835427A922}" type="datetimeFigureOut">
               <a:rPr kumimoji="1" lang="ko-KR" altLang="en-US" smtClean="0"/>
-              <a:t>2017. 10. 18.</a:t>
+              <a:t>2017. 10. 22.</a:t>
             </a:fld>
             <a:endParaRPr kumimoji="1" lang="ko-KR" altLang="en-US"/>
           </a:p>
@@ -604,7 +958,7 @@
           <a:p>
             <a:fld id="{D1AA044E-90AB-414C-A247-2B835427A922}" type="datetimeFigureOut">
               <a:rPr kumimoji="1" lang="ko-KR" altLang="en-US" smtClean="0"/>
-              <a:t>2017. 10. 18.</a:t>
+              <a:t>2017. 10. 22.</a:t>
             </a:fld>
             <a:endParaRPr kumimoji="1" lang="ko-KR" altLang="en-US"/>
           </a:p>
@@ -774,7 +1128,7 @@
           <a:p>
             <a:fld id="{D1AA044E-90AB-414C-A247-2B835427A922}" type="datetimeFigureOut">
               <a:rPr kumimoji="1" lang="ko-KR" altLang="en-US" smtClean="0"/>
-              <a:t>2017. 10. 18.</a:t>
+              <a:t>2017. 10. 22.</a:t>
             </a:fld>
             <a:endParaRPr kumimoji="1" lang="ko-KR" altLang="en-US"/>
           </a:p>
@@ -1020,7 +1374,7 @@
           <a:p>
             <a:fld id="{D1AA044E-90AB-414C-A247-2B835427A922}" type="datetimeFigureOut">
               <a:rPr kumimoji="1" lang="ko-KR" altLang="en-US" smtClean="0"/>
-              <a:t>2017. 10. 18.</a:t>
+              <a:t>2017. 10. 22.</a:t>
             </a:fld>
             <a:endParaRPr kumimoji="1" lang="ko-KR" altLang="en-US"/>
           </a:p>
@@ -1252,7 +1606,7 @@
           <a:p>
             <a:fld id="{D1AA044E-90AB-414C-A247-2B835427A922}" type="datetimeFigureOut">
               <a:rPr kumimoji="1" lang="ko-KR" altLang="en-US" smtClean="0"/>
-              <a:t>2017. 10. 18.</a:t>
+              <a:t>2017. 10. 22.</a:t>
             </a:fld>
             <a:endParaRPr kumimoji="1" lang="ko-KR" altLang="en-US"/>
           </a:p>
@@ -1619,7 +1973,7 @@
           <a:p>
             <a:fld id="{D1AA044E-90AB-414C-A247-2B835427A922}" type="datetimeFigureOut">
               <a:rPr kumimoji="1" lang="ko-KR" altLang="en-US" smtClean="0"/>
-              <a:t>2017. 10. 18.</a:t>
+              <a:t>2017. 10. 22.</a:t>
             </a:fld>
             <a:endParaRPr kumimoji="1" lang="ko-KR" altLang="en-US"/>
           </a:p>
@@ -1737,7 +2091,7 @@
           <a:p>
             <a:fld id="{D1AA044E-90AB-414C-A247-2B835427A922}" type="datetimeFigureOut">
               <a:rPr kumimoji="1" lang="ko-KR" altLang="en-US" smtClean="0"/>
-              <a:t>2017. 10. 18.</a:t>
+              <a:t>2017. 10. 22.</a:t>
             </a:fld>
             <a:endParaRPr kumimoji="1" lang="ko-KR" altLang="en-US"/>
           </a:p>
@@ -1832,7 +2186,7 @@
           <a:p>
             <a:fld id="{D1AA044E-90AB-414C-A247-2B835427A922}" type="datetimeFigureOut">
               <a:rPr kumimoji="1" lang="ko-KR" altLang="en-US" smtClean="0"/>
-              <a:t>2017. 10. 18.</a:t>
+              <a:t>2017. 10. 22.</a:t>
             </a:fld>
             <a:endParaRPr kumimoji="1" lang="ko-KR" altLang="en-US"/>
           </a:p>
@@ -2109,7 +2463,7 @@
           <a:p>
             <a:fld id="{D1AA044E-90AB-414C-A247-2B835427A922}" type="datetimeFigureOut">
               <a:rPr kumimoji="1" lang="ko-KR" altLang="en-US" smtClean="0"/>
-              <a:t>2017. 10. 18.</a:t>
+              <a:t>2017. 10. 22.</a:t>
             </a:fld>
             <a:endParaRPr kumimoji="1" lang="ko-KR" altLang="en-US"/>
           </a:p>
@@ -2362,7 +2716,7 @@
           <a:p>
             <a:fld id="{D1AA044E-90AB-414C-A247-2B835427A922}" type="datetimeFigureOut">
               <a:rPr kumimoji="1" lang="ko-KR" altLang="en-US" smtClean="0"/>
-              <a:t>2017. 10. 18.</a:t>
+              <a:t>2017. 10. 22.</a:t>
             </a:fld>
             <a:endParaRPr kumimoji="1" lang="ko-KR" altLang="en-US"/>
           </a:p>
@@ -2575,7 +2929,7 @@
           <a:p>
             <a:fld id="{D1AA044E-90AB-414C-A247-2B835427A922}" type="datetimeFigureOut">
               <a:rPr kumimoji="1" lang="ko-KR" altLang="en-US" smtClean="0"/>
-              <a:t>2017. 10. 18.</a:t>
+              <a:t>2017. 10. 22.</a:t>
             </a:fld>
             <a:endParaRPr kumimoji="1" lang="ko-KR" altLang="en-US"/>
           </a:p>
@@ -2988,9 +3342,9 @@
         </p:nvGrpSpPr>
         <p:grpSpPr>
           <a:xfrm>
-            <a:off x="214489" y="914760"/>
+            <a:off x="163644" y="1116971"/>
             <a:ext cx="10950221" cy="5282839"/>
-            <a:chOff x="214489" y="914760"/>
+            <a:chOff x="163644" y="1116971"/>
             <a:chExt cx="10950221" cy="5282839"/>
           </a:xfrm>
         </p:grpSpPr>
@@ -3002,7 +3356,7 @@
           </p:nvSpPr>
           <p:spPr>
             <a:xfrm>
-              <a:off x="214489" y="914760"/>
+              <a:off x="163644" y="1116971"/>
               <a:ext cx="10950221" cy="5282839"/>
             </a:xfrm>
             <a:prstGeom prst="rect">
@@ -4380,10 +4734,1972 @@
           </p:txBody>
         </p:sp>
       </p:grpSp>
+      <p:sp>
+        <p:nvSpPr>
+          <p:cNvPr id="2" name="텍스트 상자 1"/>
+          <p:cNvSpPr txBox="1"/>
+          <p:nvPr/>
+        </p:nvSpPr>
+        <p:spPr>
+          <a:xfrm>
+            <a:off x="396479" y="244936"/>
+            <a:ext cx="4227317" cy="369332"/>
+          </a:xfrm>
+          <a:prstGeom prst="rect">
+            <a:avLst/>
+          </a:prstGeom>
+          <a:noFill/>
+        </p:spPr>
+        <p:txBody>
+          <a:bodyPr wrap="square" rtlCol="0">
+            <a:spAutoFit/>
+          </a:bodyPr>
+          <a:lstStyle/>
+          <a:p>
+            <a:r>
+              <a:rPr kumimoji="1" lang="en-US" altLang="ko-KR" b="1" dirty="0" smtClean="0"/>
+              <a:t>Redux basic source structure</a:t>
+            </a:r>
+          </a:p>
+        </p:txBody>
+      </p:sp>
     </p:spTree>
     <p:extLst>
       <p:ext uri="{BB962C8B-B14F-4D97-AF65-F5344CB8AC3E}">
         <p14:creationId xmlns:p14="http://schemas.microsoft.com/office/powerpoint/2010/main" val="1106498348"/>
+      </p:ext>
+    </p:extLst>
+  </p:cSld>
+  <p:clrMapOvr>
+    <a:masterClrMapping/>
+  </p:clrMapOvr>
+</p:sld>
+</file>
+
+<file path=ppt/slides/slide2.xml><?xml version="1.0" encoding="utf-8"?>
+<p:sld xmlns:a="http://schemas.openxmlformats.org/drawingml/2006/main" xmlns:r="http://schemas.openxmlformats.org/officeDocument/2006/relationships" xmlns:p="http://schemas.openxmlformats.org/presentationml/2006/main">
+  <p:cSld>
+    <p:spTree>
+      <p:nvGrpSpPr>
+        <p:cNvPr id="1" name=""/>
+        <p:cNvGrpSpPr/>
+        <p:nvPr/>
+      </p:nvGrpSpPr>
+      <p:grpSpPr>
+        <a:xfrm>
+          <a:off x="0" y="0"/>
+          <a:ext cx="0" cy="0"/>
+          <a:chOff x="0" y="0"/>
+          <a:chExt cx="0" cy="0"/>
+        </a:xfrm>
+      </p:grpSpPr>
+      <p:grpSp>
+        <p:nvGrpSpPr>
+          <p:cNvPr id="109" name="그룹 108"/>
+          <p:cNvGrpSpPr/>
+          <p:nvPr/>
+        </p:nvGrpSpPr>
+        <p:grpSpPr>
+          <a:xfrm>
+            <a:off x="-40342" y="-54120"/>
+            <a:ext cx="12272683" cy="6912120"/>
+            <a:chOff x="0" y="166308"/>
+            <a:chExt cx="12272683" cy="6912120"/>
+          </a:xfrm>
+        </p:grpSpPr>
+        <p:sp>
+          <p:nvSpPr>
+            <p:cNvPr id="107" name="직사각형 106"/>
+            <p:cNvSpPr/>
+            <p:nvPr/>
+          </p:nvSpPr>
+          <p:spPr>
+            <a:xfrm>
+              <a:off x="0" y="220428"/>
+              <a:ext cx="12192000" cy="6858000"/>
+            </a:xfrm>
+            <a:prstGeom prst="rect">
+              <a:avLst/>
+            </a:prstGeom>
+            <a:solidFill>
+              <a:schemeClr val="bg1"/>
+            </a:solidFill>
+            <a:ln>
+              <a:noFill/>
+            </a:ln>
+          </p:spPr>
+          <p:style>
+            <a:lnRef idx="2">
+              <a:schemeClr val="accent1">
+                <a:shade val="50000"/>
+              </a:schemeClr>
+            </a:lnRef>
+            <a:fillRef idx="1">
+              <a:schemeClr val="accent1"/>
+            </a:fillRef>
+            <a:effectRef idx="0">
+              <a:schemeClr val="accent1"/>
+            </a:effectRef>
+            <a:fontRef idx="minor">
+              <a:schemeClr val="lt1"/>
+            </a:fontRef>
+          </p:style>
+          <p:txBody>
+            <a:bodyPr rtlCol="0" anchor="ctr"/>
+            <a:lstStyle/>
+            <a:p>
+              <a:pPr algn="ctr"/>
+              <a:endParaRPr kumimoji="1" lang="ko-KR" altLang="en-US"/>
+            </a:p>
+          </p:txBody>
+        </p:sp>
+        <p:grpSp>
+          <p:nvGrpSpPr>
+            <p:cNvPr id="108" name="그룹 107"/>
+            <p:cNvGrpSpPr/>
+            <p:nvPr/>
+          </p:nvGrpSpPr>
+          <p:grpSpPr>
+            <a:xfrm>
+              <a:off x="295345" y="166308"/>
+              <a:ext cx="11977338" cy="6315866"/>
+              <a:chOff x="295345" y="166308"/>
+              <a:chExt cx="11977338" cy="6315866"/>
+            </a:xfrm>
+          </p:grpSpPr>
+          <p:sp>
+            <p:nvSpPr>
+              <p:cNvPr id="2" name="텍스트 상자 1"/>
+              <p:cNvSpPr txBox="1"/>
+              <p:nvPr/>
+            </p:nvSpPr>
+            <p:spPr>
+              <a:xfrm>
+                <a:off x="369093" y="166308"/>
+                <a:ext cx="2777027" cy="646331"/>
+              </a:xfrm>
+              <a:prstGeom prst="rect">
+                <a:avLst/>
+              </a:prstGeom>
+              <a:noFill/>
+            </p:spPr>
+            <p:txBody>
+              <a:bodyPr wrap="square" rtlCol="0">
+                <a:spAutoFit/>
+              </a:bodyPr>
+              <a:lstStyle/>
+              <a:p>
+                <a:pPr algn="ctr"/>
+                <a:r>
+                  <a:rPr kumimoji="1" lang="en-US" altLang="ko-KR" b="1" dirty="0" smtClean="0"/>
+                  <a:t>Redux multiple counter </a:t>
+                </a:r>
+                <a:br>
+                  <a:rPr kumimoji="1" lang="en-US" altLang="ko-KR" b="1" dirty="0" smtClean="0"/>
+                </a:br>
+                <a:r>
+                  <a:rPr kumimoji="1" lang="en-US" altLang="ko-KR" b="1" dirty="0" smtClean="0"/>
+                  <a:t>- source structure - </a:t>
+                </a:r>
+              </a:p>
+            </p:txBody>
+          </p:sp>
+          <p:sp>
+            <p:nvSpPr>
+              <p:cNvPr id="34" name="직사각형 33"/>
+              <p:cNvSpPr/>
+              <p:nvPr/>
+            </p:nvSpPr>
+            <p:spPr>
+              <a:xfrm>
+                <a:off x="5396262" y="718898"/>
+                <a:ext cx="1344704" cy="564776"/>
+              </a:xfrm>
+              <a:prstGeom prst="rect">
+                <a:avLst/>
+              </a:prstGeom>
+              <a:solidFill>
+                <a:schemeClr val="tx1">
+                  <a:lumMod val="95000"/>
+                  <a:lumOff val="5000"/>
+                </a:schemeClr>
+              </a:solidFill>
+              <a:ln>
+                <a:solidFill>
+                  <a:schemeClr val="tx1">
+                    <a:lumMod val="50000"/>
+                    <a:lumOff val="50000"/>
+                  </a:schemeClr>
+                </a:solidFill>
+              </a:ln>
+            </p:spPr>
+            <p:style>
+              <a:lnRef idx="2">
+                <a:schemeClr val="accent1">
+                  <a:shade val="50000"/>
+                </a:schemeClr>
+              </a:lnRef>
+              <a:fillRef idx="1">
+                <a:schemeClr val="accent1"/>
+              </a:fillRef>
+              <a:effectRef idx="0">
+                <a:schemeClr val="accent1"/>
+              </a:effectRef>
+              <a:fontRef idx="minor">
+                <a:schemeClr val="lt1"/>
+              </a:fontRef>
+            </p:style>
+            <p:txBody>
+              <a:bodyPr rtlCol="0" anchor="ctr"/>
+              <a:lstStyle/>
+              <a:p>
+                <a:pPr algn="ctr"/>
+                <a:r>
+                  <a:rPr kumimoji="1" lang="en-US" altLang="ko-KR" sz="1200" dirty="0" err="1" smtClean="0"/>
+                  <a:t>index</a:t>
+                </a:r>
+                <a:r>
+                  <a:rPr kumimoji="1" lang="en-US" altLang="ko-KR" sz="1200" dirty="0" err="1" smtClean="0"/>
+                  <a:t>.js</a:t>
+                </a:r>
+                <a:endParaRPr kumimoji="1" lang="ko-KR" altLang="en-US" sz="1200" dirty="0"/>
+              </a:p>
+            </p:txBody>
+          </p:sp>
+          <p:sp>
+            <p:nvSpPr>
+              <p:cNvPr id="3" name="텍스트 상자 2"/>
+              <p:cNvSpPr txBox="1"/>
+              <p:nvPr/>
+            </p:nvSpPr>
+            <p:spPr>
+              <a:xfrm rot="20194454">
+                <a:off x="3376631" y="1715929"/>
+                <a:ext cx="2221121" cy="276999"/>
+              </a:xfrm>
+              <a:prstGeom prst="rect">
+                <a:avLst/>
+              </a:prstGeom>
+              <a:noFill/>
+            </p:spPr>
+            <p:txBody>
+              <a:bodyPr wrap="none" rtlCol="0">
+                <a:spAutoFit/>
+              </a:bodyPr>
+              <a:lstStyle/>
+              <a:p>
+                <a:r>
+                  <a:rPr kumimoji="1" lang="en-US" altLang="ko-KR" sz="1200" dirty="0"/>
+                  <a:t>s</a:t>
+                </a:r>
+                <a:r>
+                  <a:rPr kumimoji="1" lang="en-US" altLang="ko-KR" sz="1200" dirty="0" smtClean="0"/>
+                  <a:t>tore = </a:t>
+                </a:r>
+                <a:r>
+                  <a:rPr kumimoji="1" lang="en-US" altLang="ko-KR" sz="1200" dirty="0" err="1" smtClean="0"/>
+                  <a:t>createStore</a:t>
+                </a:r>
+                <a:r>
+                  <a:rPr kumimoji="1" lang="en-US" altLang="ko-KR" sz="1200" dirty="0" smtClean="0"/>
+                  <a:t>(reducers)</a:t>
+                </a:r>
+                <a:endParaRPr kumimoji="1" lang="ko-KR" altLang="en-US" sz="1200" dirty="0"/>
+              </a:p>
+            </p:txBody>
+          </p:sp>
+          <p:sp>
+            <p:nvSpPr>
+              <p:cNvPr id="35" name="텍스트 상자 34"/>
+              <p:cNvSpPr txBox="1"/>
+              <p:nvPr/>
+            </p:nvSpPr>
+            <p:spPr>
+              <a:xfrm>
+                <a:off x="3119226" y="1194027"/>
+                <a:ext cx="1922962" cy="646331"/>
+              </a:xfrm>
+              <a:prstGeom prst="rect">
+                <a:avLst/>
+              </a:prstGeom>
+              <a:noFill/>
+            </p:spPr>
+            <p:txBody>
+              <a:bodyPr wrap="none" rtlCol="0">
+                <a:spAutoFit/>
+              </a:bodyPr>
+              <a:lstStyle/>
+              <a:p>
+                <a:r>
+                  <a:rPr kumimoji="1" lang="en-US" altLang="ko-KR" sz="1200" dirty="0" smtClean="0"/>
+                  <a:t>&lt;Provider store={store}&gt;</a:t>
+                </a:r>
+              </a:p>
+              <a:p>
+                <a:r>
+                  <a:rPr kumimoji="1" lang="en-US" altLang="ko-KR" sz="1200" dirty="0" smtClean="0"/>
+                  <a:t>    &lt;App/&gt;</a:t>
+                </a:r>
+                <a:endParaRPr kumimoji="1" lang="en-US" altLang="ko-KR" sz="1200" dirty="0"/>
+              </a:p>
+              <a:p>
+                <a:r>
+                  <a:rPr kumimoji="1" lang="en-US" altLang="ko-KR" sz="1200" dirty="0" smtClean="0"/>
+                  <a:t>&lt;/Provider&gt;</a:t>
+                </a:r>
+                <a:endParaRPr kumimoji="1" lang="ko-KR" altLang="en-US" sz="1200" dirty="0"/>
+              </a:p>
+            </p:txBody>
+          </p:sp>
+          <p:sp>
+            <p:nvSpPr>
+              <p:cNvPr id="36" name="직사각형 35"/>
+              <p:cNvSpPr/>
+              <p:nvPr/>
+            </p:nvSpPr>
+            <p:spPr>
+              <a:xfrm>
+                <a:off x="10658544" y="304109"/>
+                <a:ext cx="1075764" cy="326464"/>
+              </a:xfrm>
+              <a:prstGeom prst="rect">
+                <a:avLst/>
+              </a:prstGeom>
+              <a:solidFill>
+                <a:schemeClr val="tx1">
+                  <a:lumMod val="95000"/>
+                  <a:lumOff val="5000"/>
+                </a:schemeClr>
+              </a:solidFill>
+              <a:ln>
+                <a:solidFill>
+                  <a:schemeClr val="tx1">
+                    <a:lumMod val="50000"/>
+                    <a:lumOff val="50000"/>
+                  </a:schemeClr>
+                </a:solidFill>
+              </a:ln>
+            </p:spPr>
+            <p:style>
+              <a:lnRef idx="2">
+                <a:schemeClr val="accent1">
+                  <a:shade val="50000"/>
+                </a:schemeClr>
+              </a:lnRef>
+              <a:fillRef idx="1">
+                <a:schemeClr val="accent1"/>
+              </a:fillRef>
+              <a:effectRef idx="0">
+                <a:schemeClr val="accent1"/>
+              </a:effectRef>
+              <a:fontRef idx="minor">
+                <a:schemeClr val="lt1"/>
+              </a:fontRef>
+            </p:style>
+            <p:txBody>
+              <a:bodyPr rtlCol="0" anchor="ctr"/>
+              <a:lstStyle/>
+              <a:p>
+                <a:pPr algn="ctr"/>
+                <a:r>
+                  <a:rPr kumimoji="1" lang="en-US" altLang="ko-KR" sz="1200" smtClean="0"/>
+                  <a:t>Source file</a:t>
+                </a:r>
+                <a:endParaRPr kumimoji="1" lang="ko-KR" altLang="en-US" sz="1200" dirty="0"/>
+              </a:p>
+            </p:txBody>
+          </p:sp>
+          <p:sp>
+            <p:nvSpPr>
+              <p:cNvPr id="40" name="직사각형 39"/>
+              <p:cNvSpPr/>
+              <p:nvPr/>
+            </p:nvSpPr>
+            <p:spPr>
+              <a:xfrm>
+                <a:off x="1801416" y="1939358"/>
+                <a:ext cx="1344704" cy="564776"/>
+              </a:xfrm>
+              <a:prstGeom prst="rect">
+                <a:avLst/>
+              </a:prstGeom>
+              <a:solidFill>
+                <a:schemeClr val="tx1">
+                  <a:lumMod val="95000"/>
+                  <a:lumOff val="5000"/>
+                </a:schemeClr>
+              </a:solidFill>
+              <a:ln>
+                <a:solidFill>
+                  <a:schemeClr val="tx1">
+                    <a:lumMod val="50000"/>
+                    <a:lumOff val="50000"/>
+                  </a:schemeClr>
+                </a:solidFill>
+              </a:ln>
+            </p:spPr>
+            <p:style>
+              <a:lnRef idx="2">
+                <a:schemeClr val="accent1">
+                  <a:shade val="50000"/>
+                </a:schemeClr>
+              </a:lnRef>
+              <a:fillRef idx="1">
+                <a:schemeClr val="accent1"/>
+              </a:fillRef>
+              <a:effectRef idx="0">
+                <a:schemeClr val="accent1"/>
+              </a:effectRef>
+              <a:fontRef idx="minor">
+                <a:schemeClr val="lt1"/>
+              </a:fontRef>
+            </p:style>
+            <p:txBody>
+              <a:bodyPr rtlCol="0" anchor="ctr"/>
+              <a:lstStyle/>
+              <a:p>
+                <a:pPr algn="ctr"/>
+                <a:r>
+                  <a:rPr kumimoji="1" lang="en-US" altLang="ko-KR" sz="1200" dirty="0" err="1"/>
+                  <a:t>r</a:t>
+                </a:r>
+                <a:r>
+                  <a:rPr kumimoji="1" lang="en-US" altLang="ko-KR" sz="1200" dirty="0" err="1" smtClean="0"/>
+                  <a:t>educers.js</a:t>
+                </a:r>
+                <a:endParaRPr kumimoji="1" lang="ko-KR" altLang="en-US" sz="1200" dirty="0"/>
+              </a:p>
+            </p:txBody>
+          </p:sp>
+          <p:cxnSp>
+            <p:nvCxnSpPr>
+              <p:cNvPr id="16" name="직선 화살표 연결선 15"/>
+              <p:cNvCxnSpPr/>
+              <p:nvPr/>
+            </p:nvCxnSpPr>
+            <p:spPr>
+              <a:xfrm flipV="1">
+                <a:off x="3282848" y="1286394"/>
+                <a:ext cx="1936377" cy="800924"/>
+              </a:xfrm>
+              <a:prstGeom prst="straightConnector1">
+                <a:avLst/>
+              </a:prstGeom>
+              <a:ln>
+                <a:tailEnd type="triangle"/>
+              </a:ln>
+            </p:spPr>
+            <p:style>
+              <a:lnRef idx="1">
+                <a:schemeClr val="accent1"/>
+              </a:lnRef>
+              <a:fillRef idx="0">
+                <a:schemeClr val="accent1"/>
+              </a:fillRef>
+              <a:effectRef idx="0">
+                <a:schemeClr val="accent1"/>
+              </a:effectRef>
+              <a:fontRef idx="minor">
+                <a:schemeClr val="tx1"/>
+              </a:fontRef>
+            </p:style>
+          </p:cxnSp>
+          <p:sp>
+            <p:nvSpPr>
+              <p:cNvPr id="41" name="직사각형 40"/>
+              <p:cNvSpPr/>
+              <p:nvPr/>
+            </p:nvSpPr>
+            <p:spPr>
+              <a:xfrm>
+                <a:off x="295345" y="3067984"/>
+                <a:ext cx="1344704" cy="564776"/>
+              </a:xfrm>
+              <a:prstGeom prst="rect">
+                <a:avLst/>
+              </a:prstGeom>
+              <a:solidFill>
+                <a:schemeClr val="tx1">
+                  <a:lumMod val="95000"/>
+                  <a:lumOff val="5000"/>
+                </a:schemeClr>
+              </a:solidFill>
+              <a:ln>
+                <a:solidFill>
+                  <a:schemeClr val="tx1">
+                    <a:lumMod val="50000"/>
+                    <a:lumOff val="50000"/>
+                  </a:schemeClr>
+                </a:solidFill>
+              </a:ln>
+            </p:spPr>
+            <p:style>
+              <a:lnRef idx="2">
+                <a:schemeClr val="accent1">
+                  <a:shade val="50000"/>
+                </a:schemeClr>
+              </a:lnRef>
+              <a:fillRef idx="1">
+                <a:schemeClr val="accent1"/>
+              </a:fillRef>
+              <a:effectRef idx="0">
+                <a:schemeClr val="accent1"/>
+              </a:effectRef>
+              <a:fontRef idx="minor">
+                <a:schemeClr val="lt1"/>
+              </a:fontRef>
+            </p:style>
+            <p:txBody>
+              <a:bodyPr rtlCol="0" anchor="ctr"/>
+              <a:lstStyle/>
+              <a:p>
+                <a:pPr algn="ctr"/>
+                <a:r>
+                  <a:rPr kumimoji="1" lang="en-US" altLang="ko-KR" sz="1200" dirty="0" err="1" smtClean="0"/>
+                  <a:t>ActionTypes.js</a:t>
+                </a:r>
+                <a:endParaRPr kumimoji="1" lang="ko-KR" altLang="en-US" sz="1200" dirty="0"/>
+              </a:p>
+            </p:txBody>
+          </p:sp>
+          <p:cxnSp>
+            <p:nvCxnSpPr>
+              <p:cNvPr id="42" name="직선 화살표 연결선 41"/>
+              <p:cNvCxnSpPr/>
+              <p:nvPr/>
+            </p:nvCxnSpPr>
+            <p:spPr>
+              <a:xfrm flipV="1">
+                <a:off x="1757606" y="2603134"/>
+                <a:ext cx="805808" cy="745331"/>
+              </a:xfrm>
+              <a:prstGeom prst="straightConnector1">
+                <a:avLst/>
+              </a:prstGeom>
+              <a:ln>
+                <a:tailEnd type="triangle"/>
+              </a:ln>
+            </p:spPr>
+            <p:style>
+              <a:lnRef idx="1">
+                <a:schemeClr val="accent1"/>
+              </a:lnRef>
+              <a:fillRef idx="0">
+                <a:schemeClr val="accent1"/>
+              </a:fillRef>
+              <a:effectRef idx="0">
+                <a:schemeClr val="accent1"/>
+              </a:effectRef>
+              <a:fontRef idx="minor">
+                <a:schemeClr val="tx1"/>
+              </a:fontRef>
+            </p:style>
+          </p:cxnSp>
+          <p:sp>
+            <p:nvSpPr>
+              <p:cNvPr id="43" name="텍스트 상자 42"/>
+              <p:cNvSpPr txBox="1"/>
+              <p:nvPr/>
+            </p:nvSpPr>
+            <p:spPr>
+              <a:xfrm>
+                <a:off x="369093" y="1386313"/>
+                <a:ext cx="2226892" cy="553998"/>
+              </a:xfrm>
+              <a:prstGeom prst="rect">
+                <a:avLst/>
+              </a:prstGeom>
+              <a:noFill/>
+            </p:spPr>
+            <p:txBody>
+              <a:bodyPr wrap="none" rtlCol="0">
+                <a:spAutoFit/>
+              </a:bodyPr>
+              <a:lstStyle/>
+              <a:p>
+                <a:r>
+                  <a:rPr kumimoji="1" lang="en-US" altLang="ko-KR" sz="1000" dirty="0" smtClean="0"/>
+                  <a:t>State </a:t>
+                </a:r>
+                <a:r>
+                  <a:rPr kumimoji="1" lang="ko-KR" altLang="en-US" sz="1000" dirty="0" smtClean="0"/>
+                  <a:t>에 대한 내용을 작업처리한다</a:t>
+                </a:r>
+                <a:r>
+                  <a:rPr kumimoji="1" lang="en-US" altLang="ko-KR" sz="1000" dirty="0" smtClean="0"/>
+                  <a:t>.</a:t>
+                </a:r>
+              </a:p>
+              <a:p>
+                <a:r>
+                  <a:rPr kumimoji="1" lang="ko-KR" altLang="en-US" sz="1000" dirty="0" smtClean="0"/>
+                  <a:t>첫 번째 파라메터는 </a:t>
+                </a:r>
+                <a:r>
+                  <a:rPr kumimoji="1" lang="en-US" altLang="ko-KR" sz="1000" dirty="0" smtClean="0"/>
+                  <a:t>state</a:t>
+                </a:r>
+                <a:r>
+                  <a:rPr kumimoji="1" lang="ko-KR" altLang="en-US" sz="1000" dirty="0" smtClean="0"/>
+                  <a:t>값 </a:t>
+                </a:r>
+                <a:r>
+                  <a:rPr kumimoji="1" lang="en-US" altLang="ko-KR" sz="1000" dirty="0" smtClean="0"/>
+                  <a:t/>
+                </a:r>
+                <a:br>
+                  <a:rPr kumimoji="1" lang="en-US" altLang="ko-KR" sz="1000" dirty="0" smtClean="0"/>
+                </a:br>
+                <a:r>
+                  <a:rPr kumimoji="1" lang="ko-KR" altLang="en-US" sz="1000" dirty="0" smtClean="0"/>
+                  <a:t>그 다음은 </a:t>
+                </a:r>
+                <a:r>
+                  <a:rPr kumimoji="1" lang="en-US" altLang="ko-KR" sz="1000" dirty="0" smtClean="0"/>
+                  <a:t>action</a:t>
+                </a:r>
+                <a:r>
+                  <a:rPr kumimoji="1" lang="ko-KR" altLang="en-US" sz="1000" dirty="0" smtClean="0"/>
+                  <a:t> 값이 들어온다</a:t>
+                </a:r>
+                <a:r>
+                  <a:rPr kumimoji="1" lang="en-US" altLang="ko-KR" sz="1000" dirty="0" smtClean="0"/>
+                  <a:t>.</a:t>
+                </a:r>
+                <a:endParaRPr kumimoji="1" lang="ko-KR" altLang="en-US" sz="1000" dirty="0"/>
+              </a:p>
+            </p:txBody>
+          </p:sp>
+          <p:sp>
+            <p:nvSpPr>
+              <p:cNvPr id="44" name="직사각형 43"/>
+              <p:cNvSpPr/>
+              <p:nvPr/>
+            </p:nvSpPr>
+            <p:spPr>
+              <a:xfrm>
+                <a:off x="5396262" y="2050814"/>
+                <a:ext cx="1344704" cy="564776"/>
+              </a:xfrm>
+              <a:prstGeom prst="rect">
+                <a:avLst/>
+              </a:prstGeom>
+              <a:solidFill>
+                <a:schemeClr val="tx1">
+                  <a:lumMod val="95000"/>
+                  <a:lumOff val="5000"/>
+                </a:schemeClr>
+              </a:solidFill>
+              <a:ln>
+                <a:solidFill>
+                  <a:schemeClr val="tx1">
+                    <a:lumMod val="50000"/>
+                    <a:lumOff val="50000"/>
+                  </a:schemeClr>
+                </a:solidFill>
+              </a:ln>
+            </p:spPr>
+            <p:style>
+              <a:lnRef idx="2">
+                <a:schemeClr val="accent1">
+                  <a:shade val="50000"/>
+                </a:schemeClr>
+              </a:lnRef>
+              <a:fillRef idx="1">
+                <a:schemeClr val="accent1"/>
+              </a:fillRef>
+              <a:effectRef idx="0">
+                <a:schemeClr val="accent1"/>
+              </a:effectRef>
+              <a:fontRef idx="minor">
+                <a:schemeClr val="lt1"/>
+              </a:fontRef>
+            </p:style>
+            <p:txBody>
+              <a:bodyPr rtlCol="0" anchor="ctr"/>
+              <a:lstStyle/>
+              <a:p>
+                <a:pPr algn="ctr"/>
+                <a:r>
+                  <a:rPr kumimoji="1" lang="en-US" altLang="ko-KR" sz="1200" dirty="0" err="1" smtClean="0"/>
+                  <a:t>App.js</a:t>
+                </a:r>
+                <a:endParaRPr kumimoji="1" lang="ko-KR" altLang="en-US" sz="1200" dirty="0"/>
+              </a:p>
+            </p:txBody>
+          </p:sp>
+          <p:cxnSp>
+            <p:nvCxnSpPr>
+              <p:cNvPr id="45" name="직선 화살표 연결선 44"/>
+              <p:cNvCxnSpPr/>
+              <p:nvPr/>
+            </p:nvCxnSpPr>
+            <p:spPr>
+              <a:xfrm flipH="1" flipV="1">
+                <a:off x="6068614" y="1386313"/>
+                <a:ext cx="6741" cy="531341"/>
+              </a:xfrm>
+              <a:prstGeom prst="straightConnector1">
+                <a:avLst/>
+              </a:prstGeom>
+              <a:ln>
+                <a:tailEnd type="triangle"/>
+              </a:ln>
+            </p:spPr>
+            <p:style>
+              <a:lnRef idx="1">
+                <a:schemeClr val="accent1"/>
+              </a:lnRef>
+              <a:fillRef idx="0">
+                <a:schemeClr val="accent1"/>
+              </a:fillRef>
+              <a:effectRef idx="0">
+                <a:schemeClr val="accent1"/>
+              </a:effectRef>
+              <a:fontRef idx="minor">
+                <a:schemeClr val="tx1"/>
+              </a:fontRef>
+            </p:style>
+          </p:cxnSp>
+          <p:sp>
+            <p:nvSpPr>
+              <p:cNvPr id="47" name="타원 46"/>
+              <p:cNvSpPr/>
+              <p:nvPr/>
+            </p:nvSpPr>
+            <p:spPr>
+              <a:xfrm>
+                <a:off x="10658544" y="792172"/>
+                <a:ext cx="1075764" cy="389845"/>
+              </a:xfrm>
+              <a:prstGeom prst="ellipse">
+                <a:avLst/>
+              </a:prstGeom>
+            </p:spPr>
+            <p:style>
+              <a:lnRef idx="2">
+                <a:schemeClr val="accent1">
+                  <a:shade val="50000"/>
+                </a:schemeClr>
+              </a:lnRef>
+              <a:fillRef idx="1">
+                <a:schemeClr val="accent1"/>
+              </a:fillRef>
+              <a:effectRef idx="0">
+                <a:schemeClr val="accent1"/>
+              </a:effectRef>
+              <a:fontRef idx="minor">
+                <a:schemeClr val="lt1"/>
+              </a:fontRef>
+            </p:style>
+            <p:txBody>
+              <a:bodyPr rtlCol="0" anchor="ctr"/>
+              <a:lstStyle/>
+              <a:p>
+                <a:pPr algn="ctr"/>
+                <a:r>
+                  <a:rPr kumimoji="1" lang="en-US" altLang="ko-KR" sz="1400" dirty="0" smtClean="0"/>
+                  <a:t>Object</a:t>
+                </a:r>
+                <a:endParaRPr kumimoji="1" lang="ko-KR" altLang="en-US" sz="1400" dirty="0"/>
+              </a:p>
+            </p:txBody>
+          </p:sp>
+          <p:sp>
+            <p:nvSpPr>
+              <p:cNvPr id="48" name="타원 47"/>
+              <p:cNvSpPr/>
+              <p:nvPr/>
+            </p:nvSpPr>
+            <p:spPr>
+              <a:xfrm>
+                <a:off x="6711945" y="2884829"/>
+                <a:ext cx="3366279" cy="389845"/>
+              </a:xfrm>
+              <a:prstGeom prst="ellipse">
+                <a:avLst/>
+              </a:prstGeom>
+            </p:spPr>
+            <p:style>
+              <a:lnRef idx="2">
+                <a:schemeClr val="accent1">
+                  <a:shade val="50000"/>
+                </a:schemeClr>
+              </a:lnRef>
+              <a:fillRef idx="1">
+                <a:schemeClr val="accent1"/>
+              </a:fillRef>
+              <a:effectRef idx="0">
+                <a:schemeClr val="accent1"/>
+              </a:effectRef>
+              <a:fontRef idx="minor">
+                <a:schemeClr val="lt1"/>
+              </a:fontRef>
+            </p:style>
+            <p:txBody>
+              <a:bodyPr rtlCol="0" anchor="ctr"/>
+              <a:lstStyle/>
+              <a:p>
+                <a:pPr algn="ctr"/>
+                <a:r>
+                  <a:rPr kumimoji="1" lang="en-US" altLang="ko-KR" sz="1050" dirty="0"/>
+                  <a:t>c</a:t>
+                </a:r>
+                <a:r>
+                  <a:rPr kumimoji="1" lang="en-US" altLang="ko-KR" sz="1050" dirty="0" smtClean="0"/>
+                  <a:t>onnect(null, </a:t>
+                </a:r>
+                <a:r>
+                  <a:rPr kumimoji="1" lang="en-US" altLang="ko-KR" sz="1050" dirty="0" err="1" smtClean="0"/>
+                  <a:t>mapToDispatch</a:t>
+                </a:r>
+                <a:r>
+                  <a:rPr kumimoji="1" lang="en-US" altLang="ko-KR" sz="1050" dirty="0" smtClean="0"/>
+                  <a:t>)(App)</a:t>
+                </a:r>
+                <a:endParaRPr kumimoji="1" lang="ko-KR" altLang="en-US" sz="1050" dirty="0"/>
+              </a:p>
+            </p:txBody>
+          </p:sp>
+          <p:sp>
+            <p:nvSpPr>
+              <p:cNvPr id="52" name="텍스트 상자 51"/>
+              <p:cNvSpPr txBox="1"/>
+              <p:nvPr/>
+            </p:nvSpPr>
+            <p:spPr>
+              <a:xfrm>
+                <a:off x="6805495" y="2469281"/>
+                <a:ext cx="3257623" cy="430887"/>
+              </a:xfrm>
+              <a:prstGeom prst="rect">
+                <a:avLst/>
+              </a:prstGeom>
+              <a:noFill/>
+            </p:spPr>
+            <p:txBody>
+              <a:bodyPr wrap="none" rtlCol="0">
+                <a:spAutoFit/>
+              </a:bodyPr>
+              <a:lstStyle/>
+              <a:p>
+                <a:r>
+                  <a:rPr kumimoji="1" lang="en-US" altLang="ko-KR" sz="1100" dirty="0" err="1" smtClean="0"/>
+                  <a:t>mapToDispatch</a:t>
+                </a:r>
+                <a:r>
+                  <a:rPr kumimoji="1" lang="en-US" altLang="ko-KR" sz="1100" dirty="0" smtClean="0"/>
+                  <a:t> has: </a:t>
+                </a:r>
+              </a:p>
+              <a:p>
+                <a:r>
+                  <a:rPr kumimoji="1" lang="en-US" altLang="ko-KR" sz="1100" dirty="0" smtClean="0"/>
+                  <a:t>dispatch(</a:t>
+                </a:r>
+                <a:r>
+                  <a:rPr kumimoji="1" lang="en-US" altLang="ko-KR" sz="1100" dirty="0" err="1" smtClean="0"/>
+                  <a:t>action.create</a:t>
+                </a:r>
+                <a:r>
+                  <a:rPr kumimoji="1" lang="en-US" altLang="ko-KR" sz="1100" dirty="0" smtClean="0"/>
+                  <a:t>), dispatch(</a:t>
+                </a:r>
+                <a:r>
+                  <a:rPr kumimoji="1" lang="en-US" altLang="ko-KR" sz="1100" dirty="0" err="1" smtClean="0"/>
+                  <a:t>action.remove</a:t>
+                </a:r>
+                <a:r>
+                  <a:rPr kumimoji="1" lang="en-US" altLang="ko-KR" sz="1100" dirty="0" smtClean="0"/>
+                  <a:t>)</a:t>
+                </a:r>
+                <a:endParaRPr kumimoji="1" lang="ko-KR" altLang="en-US" sz="1100" dirty="0"/>
+              </a:p>
+            </p:txBody>
+          </p:sp>
+          <p:cxnSp>
+            <p:nvCxnSpPr>
+              <p:cNvPr id="53" name="직선 화살표 연결선 52"/>
+              <p:cNvCxnSpPr/>
+              <p:nvPr/>
+            </p:nvCxnSpPr>
+            <p:spPr>
+              <a:xfrm flipV="1">
+                <a:off x="4332299" y="2723838"/>
+                <a:ext cx="1034942" cy="441239"/>
+              </a:xfrm>
+              <a:prstGeom prst="straightConnector1">
+                <a:avLst/>
+              </a:prstGeom>
+              <a:ln>
+                <a:tailEnd type="triangle"/>
+              </a:ln>
+            </p:spPr>
+            <p:style>
+              <a:lnRef idx="1">
+                <a:schemeClr val="accent1"/>
+              </a:lnRef>
+              <a:fillRef idx="0">
+                <a:schemeClr val="accent1"/>
+              </a:fillRef>
+              <a:effectRef idx="0">
+                <a:schemeClr val="accent1"/>
+              </a:effectRef>
+              <a:fontRef idx="minor">
+                <a:schemeClr val="tx1"/>
+              </a:fontRef>
+            </p:style>
+          </p:cxnSp>
+          <p:sp>
+            <p:nvSpPr>
+              <p:cNvPr id="55" name="직사각형 54"/>
+              <p:cNvSpPr/>
+              <p:nvPr/>
+            </p:nvSpPr>
+            <p:spPr>
+              <a:xfrm>
+                <a:off x="2911976" y="3288676"/>
+                <a:ext cx="1344704" cy="564776"/>
+              </a:xfrm>
+              <a:prstGeom prst="rect">
+                <a:avLst/>
+              </a:prstGeom>
+              <a:solidFill>
+                <a:schemeClr val="tx1">
+                  <a:lumMod val="95000"/>
+                  <a:lumOff val="5000"/>
+                </a:schemeClr>
+              </a:solidFill>
+              <a:ln>
+                <a:solidFill>
+                  <a:schemeClr val="tx1">
+                    <a:lumMod val="50000"/>
+                    <a:lumOff val="50000"/>
+                  </a:schemeClr>
+                </a:solidFill>
+              </a:ln>
+            </p:spPr>
+            <p:style>
+              <a:lnRef idx="2">
+                <a:schemeClr val="accent1">
+                  <a:shade val="50000"/>
+                </a:schemeClr>
+              </a:lnRef>
+              <a:fillRef idx="1">
+                <a:schemeClr val="accent1"/>
+              </a:fillRef>
+              <a:effectRef idx="0">
+                <a:schemeClr val="accent1"/>
+              </a:effectRef>
+              <a:fontRef idx="minor">
+                <a:schemeClr val="lt1"/>
+              </a:fontRef>
+            </p:style>
+            <p:txBody>
+              <a:bodyPr rtlCol="0" anchor="ctr"/>
+              <a:lstStyle/>
+              <a:p>
+                <a:pPr algn="ctr"/>
+                <a:r>
+                  <a:rPr kumimoji="1" lang="en-US" altLang="ko-KR" sz="1200" dirty="0" smtClean="0"/>
+                  <a:t>actions/</a:t>
+                </a:r>
+                <a:r>
+                  <a:rPr kumimoji="1" lang="en-US" altLang="ko-KR" sz="1200" dirty="0" err="1" smtClean="0"/>
+                  <a:t>index.js</a:t>
+                </a:r>
+                <a:endParaRPr kumimoji="1" lang="ko-KR" altLang="en-US" sz="1200" dirty="0"/>
+              </a:p>
+            </p:txBody>
+          </p:sp>
+          <p:sp>
+            <p:nvSpPr>
+              <p:cNvPr id="57" name="텍스트 상자 56"/>
+              <p:cNvSpPr txBox="1"/>
+              <p:nvPr/>
+            </p:nvSpPr>
+            <p:spPr>
+              <a:xfrm>
+                <a:off x="2430896" y="2802412"/>
+                <a:ext cx="2611292" cy="461665"/>
+              </a:xfrm>
+              <a:prstGeom prst="rect">
+                <a:avLst/>
+              </a:prstGeom>
+              <a:noFill/>
+            </p:spPr>
+            <p:txBody>
+              <a:bodyPr wrap="none" rtlCol="0">
+                <a:spAutoFit/>
+              </a:bodyPr>
+              <a:lstStyle/>
+              <a:p>
+                <a:pPr algn="ctr"/>
+                <a:r>
+                  <a:rPr kumimoji="1" lang="en-US" altLang="ko-KR" sz="1200" dirty="0" smtClean="0"/>
+                  <a:t>Just define, </a:t>
+                </a:r>
+              </a:p>
+              <a:p>
+                <a:pPr algn="ctr"/>
+                <a:r>
+                  <a:rPr kumimoji="1" lang="en-US" altLang="ko-KR" sz="1200" dirty="0" smtClean="0"/>
+                  <a:t>Action follow the name on ‘action’</a:t>
+                </a:r>
+                <a:endParaRPr kumimoji="1" lang="ko-KR" altLang="en-US" sz="1200" dirty="0"/>
+              </a:p>
+            </p:txBody>
+          </p:sp>
+          <p:sp>
+            <p:nvSpPr>
+              <p:cNvPr id="58" name="텍스트 상자 57"/>
+              <p:cNvSpPr txBox="1"/>
+              <p:nvPr/>
+            </p:nvSpPr>
+            <p:spPr>
+              <a:xfrm>
+                <a:off x="6805495" y="3287977"/>
+                <a:ext cx="3286477" cy="430887"/>
+              </a:xfrm>
+              <a:prstGeom prst="rect">
+                <a:avLst/>
+              </a:prstGeom>
+              <a:noFill/>
+            </p:spPr>
+            <p:txBody>
+              <a:bodyPr wrap="none" rtlCol="0">
+                <a:spAutoFit/>
+              </a:bodyPr>
+              <a:lstStyle/>
+              <a:p>
+                <a:r>
+                  <a:rPr kumimoji="1" lang="en-US" altLang="ko-KR" sz="1100" dirty="0" smtClean="0"/>
+                  <a:t>‘dispatch’ method connect between </a:t>
+                </a:r>
+                <a:br>
+                  <a:rPr kumimoji="1" lang="en-US" altLang="ko-KR" sz="1100" dirty="0" smtClean="0"/>
+                </a:br>
+                <a:r>
+                  <a:rPr kumimoji="1" lang="en-US" altLang="ko-KR" sz="1100" dirty="0" smtClean="0"/>
+                  <a:t>reducers and</a:t>
+                </a:r>
+                <a:r>
+                  <a:rPr kumimoji="1" lang="ko-KR" altLang="en-US" sz="1100" dirty="0" smtClean="0"/>
+                  <a:t> </a:t>
+                </a:r>
+                <a:r>
+                  <a:rPr kumimoji="1" lang="en-US" altLang="ko-KR" sz="1100" dirty="0" smtClean="0"/>
+                  <a:t>actions/</a:t>
+                </a:r>
+                <a:r>
+                  <a:rPr kumimoji="1" lang="en-US" altLang="ko-KR" sz="1100" dirty="0" err="1" smtClean="0"/>
+                  <a:t>index.js</a:t>
+                </a:r>
+                <a:r>
+                  <a:rPr kumimoji="1" lang="en-US" altLang="ko-KR" sz="1100" dirty="0"/>
+                  <a:t> </a:t>
+                </a:r>
+                <a:r>
+                  <a:rPr kumimoji="1" lang="en-US" altLang="ko-KR" sz="1100" dirty="0" smtClean="0"/>
+                  <a:t>in store parameter</a:t>
+                </a:r>
+                <a:endParaRPr kumimoji="1" lang="ko-KR" altLang="en-US" sz="1100" dirty="0"/>
+              </a:p>
+            </p:txBody>
+          </p:sp>
+          <p:sp>
+            <p:nvSpPr>
+              <p:cNvPr id="59" name="직사각형 58"/>
+              <p:cNvSpPr/>
+              <p:nvPr/>
+            </p:nvSpPr>
+            <p:spPr>
+              <a:xfrm>
+                <a:off x="5396262" y="3710692"/>
+                <a:ext cx="1344704" cy="564776"/>
+              </a:xfrm>
+              <a:prstGeom prst="rect">
+                <a:avLst/>
+              </a:prstGeom>
+              <a:solidFill>
+                <a:schemeClr val="tx1">
+                  <a:lumMod val="95000"/>
+                  <a:lumOff val="5000"/>
+                </a:schemeClr>
+              </a:solidFill>
+              <a:ln>
+                <a:solidFill>
+                  <a:schemeClr val="tx1">
+                    <a:lumMod val="50000"/>
+                    <a:lumOff val="50000"/>
+                  </a:schemeClr>
+                </a:solidFill>
+              </a:ln>
+            </p:spPr>
+            <p:style>
+              <a:lnRef idx="2">
+                <a:schemeClr val="accent1">
+                  <a:shade val="50000"/>
+                </a:schemeClr>
+              </a:lnRef>
+              <a:fillRef idx="1">
+                <a:schemeClr val="accent1"/>
+              </a:fillRef>
+              <a:effectRef idx="0">
+                <a:schemeClr val="accent1"/>
+              </a:effectRef>
+              <a:fontRef idx="minor">
+                <a:schemeClr val="lt1"/>
+              </a:fontRef>
+            </p:style>
+            <p:txBody>
+              <a:bodyPr rtlCol="0" anchor="ctr"/>
+              <a:lstStyle/>
+              <a:p>
+                <a:pPr algn="ctr"/>
+                <a:r>
+                  <a:rPr kumimoji="1" lang="en-US" altLang="ko-KR" sz="1200" dirty="0" err="1" smtClean="0"/>
+                  <a:t>CounterList</a:t>
+                </a:r>
+                <a:r>
+                  <a:rPr kumimoji="1" lang="en-US" altLang="ko-KR" sz="1200" dirty="0" smtClean="0"/>
+                  <a:t> </a:t>
+                </a:r>
+                <a:r>
+                  <a:rPr kumimoji="1" lang="en-US" altLang="ko-KR" sz="1200" dirty="0" err="1" smtClean="0"/>
+                  <a:t>Containers.js</a:t>
+                </a:r>
+                <a:endParaRPr kumimoji="1" lang="ko-KR" altLang="en-US" sz="1200" dirty="0"/>
+              </a:p>
+            </p:txBody>
+          </p:sp>
+          <p:cxnSp>
+            <p:nvCxnSpPr>
+              <p:cNvPr id="60" name="직선 화살표 연결선 59"/>
+              <p:cNvCxnSpPr/>
+              <p:nvPr/>
+            </p:nvCxnSpPr>
+            <p:spPr>
+              <a:xfrm flipH="1" flipV="1">
+                <a:off x="6068615" y="2801853"/>
+                <a:ext cx="6740" cy="769211"/>
+              </a:xfrm>
+              <a:prstGeom prst="straightConnector1">
+                <a:avLst/>
+              </a:prstGeom>
+              <a:ln>
+                <a:tailEnd type="triangle"/>
+              </a:ln>
+            </p:spPr>
+            <p:style>
+              <a:lnRef idx="1">
+                <a:schemeClr val="accent1"/>
+              </a:lnRef>
+              <a:fillRef idx="0">
+                <a:schemeClr val="accent1"/>
+              </a:fillRef>
+              <a:effectRef idx="0">
+                <a:schemeClr val="accent1"/>
+              </a:effectRef>
+              <a:fontRef idx="minor">
+                <a:schemeClr val="tx1"/>
+              </a:fontRef>
+            </p:style>
+          </p:cxnSp>
+          <p:cxnSp>
+            <p:nvCxnSpPr>
+              <p:cNvPr id="62" name="직선 화살표 연결선 61"/>
+              <p:cNvCxnSpPr/>
+              <p:nvPr/>
+            </p:nvCxnSpPr>
+            <p:spPr>
+              <a:xfrm>
+                <a:off x="4355808" y="3649428"/>
+                <a:ext cx="944680" cy="343652"/>
+              </a:xfrm>
+              <a:prstGeom prst="straightConnector1">
+                <a:avLst/>
+              </a:prstGeom>
+              <a:ln>
+                <a:tailEnd type="triangle"/>
+              </a:ln>
+            </p:spPr>
+            <p:style>
+              <a:lnRef idx="1">
+                <a:schemeClr val="accent1"/>
+              </a:lnRef>
+              <a:fillRef idx="0">
+                <a:schemeClr val="accent1"/>
+              </a:fillRef>
+              <a:effectRef idx="0">
+                <a:schemeClr val="accent1"/>
+              </a:effectRef>
+              <a:fontRef idx="minor">
+                <a:schemeClr val="tx1"/>
+              </a:fontRef>
+            </p:style>
+          </p:cxnSp>
+          <p:sp>
+            <p:nvSpPr>
+              <p:cNvPr id="64" name="타원 63"/>
+              <p:cNvSpPr/>
+              <p:nvPr/>
+            </p:nvSpPr>
+            <p:spPr>
+              <a:xfrm>
+                <a:off x="3282848" y="5622824"/>
+                <a:ext cx="2075258" cy="389845"/>
+              </a:xfrm>
+              <a:prstGeom prst="ellipse">
+                <a:avLst/>
+              </a:prstGeom>
+            </p:spPr>
+            <p:style>
+              <a:lnRef idx="2">
+                <a:schemeClr val="accent1">
+                  <a:shade val="50000"/>
+                </a:schemeClr>
+              </a:lnRef>
+              <a:fillRef idx="1">
+                <a:schemeClr val="accent1"/>
+              </a:fillRef>
+              <a:effectRef idx="0">
+                <a:schemeClr val="accent1"/>
+              </a:effectRef>
+              <a:fontRef idx="minor">
+                <a:schemeClr val="lt1"/>
+              </a:fontRef>
+            </p:style>
+            <p:txBody>
+              <a:bodyPr rtlCol="0" anchor="ctr"/>
+              <a:lstStyle/>
+              <a:p>
+                <a:pPr algn="ctr"/>
+                <a:r>
+                  <a:rPr kumimoji="1" lang="en-US" altLang="ko-KR" sz="1050" smtClean="0"/>
+                  <a:t>Props(variable types)</a:t>
+                </a:r>
+                <a:endParaRPr kumimoji="1" lang="ko-KR" altLang="en-US" sz="1050" dirty="0"/>
+              </a:p>
+            </p:txBody>
+          </p:sp>
+          <p:sp>
+            <p:nvSpPr>
+              <p:cNvPr id="65" name="텍스트 상자 64"/>
+              <p:cNvSpPr txBox="1"/>
+              <p:nvPr/>
+            </p:nvSpPr>
+            <p:spPr>
+              <a:xfrm>
+                <a:off x="6772459" y="4110273"/>
+                <a:ext cx="5500224" cy="430887"/>
+              </a:xfrm>
+              <a:prstGeom prst="rect">
+                <a:avLst/>
+              </a:prstGeom>
+              <a:noFill/>
+            </p:spPr>
+            <p:txBody>
+              <a:bodyPr wrap="none" rtlCol="0">
+                <a:spAutoFit/>
+              </a:bodyPr>
+              <a:lstStyle/>
+              <a:p>
+                <a:r>
+                  <a:rPr kumimoji="1" lang="en-US" altLang="ko-KR" sz="1100" dirty="0" err="1" smtClean="0"/>
+                  <a:t>mapToDispatch</a:t>
+                </a:r>
+                <a:r>
+                  <a:rPr kumimoji="1" lang="en-US" altLang="ko-KR" sz="1100" dirty="0" smtClean="0"/>
+                  <a:t> has: </a:t>
+                </a:r>
+              </a:p>
+              <a:p>
+                <a:r>
+                  <a:rPr kumimoji="1" lang="en-US" altLang="ko-KR" sz="1100" dirty="0" smtClean="0"/>
+                  <a:t>dispatch(</a:t>
+                </a:r>
+                <a:r>
+                  <a:rPr kumimoji="1" lang="en-US" altLang="ko-KR" sz="1100" dirty="0" err="1" smtClean="0"/>
+                  <a:t>action.increment</a:t>
+                </a:r>
+                <a:r>
+                  <a:rPr kumimoji="1" lang="en-US" altLang="ko-KR" sz="1100" dirty="0" smtClean="0"/>
+                  <a:t>), dispatch(</a:t>
+                </a:r>
+                <a:r>
+                  <a:rPr kumimoji="1" lang="en-US" altLang="ko-KR" sz="1100" dirty="0" err="1" smtClean="0"/>
+                  <a:t>action.decrement</a:t>
+                </a:r>
+                <a:r>
+                  <a:rPr kumimoji="1" lang="en-US" altLang="ko-KR" sz="1100" dirty="0" smtClean="0"/>
+                  <a:t>), dispatch(</a:t>
+                </a:r>
+                <a:r>
+                  <a:rPr kumimoji="1" lang="en-US" altLang="ko-KR" sz="1100" dirty="0" err="1" smtClean="0"/>
+                  <a:t>action.setColor</a:t>
+                </a:r>
+                <a:r>
+                  <a:rPr kumimoji="1" lang="en-US" altLang="ko-KR" sz="1100" dirty="0" smtClean="0"/>
+                  <a:t>)</a:t>
+                </a:r>
+                <a:endParaRPr kumimoji="1" lang="ko-KR" altLang="en-US" sz="1100" dirty="0"/>
+              </a:p>
+            </p:txBody>
+          </p:sp>
+          <p:sp>
+            <p:nvSpPr>
+              <p:cNvPr id="66" name="텍스트 상자 65"/>
+              <p:cNvSpPr txBox="1"/>
+              <p:nvPr/>
+            </p:nvSpPr>
+            <p:spPr>
+              <a:xfrm>
+                <a:off x="6798006" y="4920455"/>
+                <a:ext cx="3286477" cy="430887"/>
+              </a:xfrm>
+              <a:prstGeom prst="rect">
+                <a:avLst/>
+              </a:prstGeom>
+              <a:noFill/>
+            </p:spPr>
+            <p:txBody>
+              <a:bodyPr wrap="none" rtlCol="0">
+                <a:spAutoFit/>
+              </a:bodyPr>
+              <a:lstStyle/>
+              <a:p>
+                <a:r>
+                  <a:rPr kumimoji="1" lang="en-US" altLang="ko-KR" sz="1100" dirty="0" smtClean="0"/>
+                  <a:t>‘dispatch’ method connect between </a:t>
+                </a:r>
+                <a:br>
+                  <a:rPr kumimoji="1" lang="en-US" altLang="ko-KR" sz="1100" dirty="0" smtClean="0"/>
+                </a:br>
+                <a:r>
+                  <a:rPr kumimoji="1" lang="en-US" altLang="ko-KR" sz="1100" dirty="0" smtClean="0"/>
+                  <a:t>reducers and</a:t>
+                </a:r>
+                <a:r>
+                  <a:rPr kumimoji="1" lang="ko-KR" altLang="en-US" sz="1100" dirty="0" smtClean="0"/>
+                  <a:t> </a:t>
+                </a:r>
+                <a:r>
+                  <a:rPr kumimoji="1" lang="en-US" altLang="ko-KR" sz="1100" dirty="0" smtClean="0"/>
+                  <a:t>actions/</a:t>
+                </a:r>
+                <a:r>
+                  <a:rPr kumimoji="1" lang="en-US" altLang="ko-KR" sz="1100" dirty="0" err="1" smtClean="0"/>
+                  <a:t>index.js</a:t>
+                </a:r>
+                <a:r>
+                  <a:rPr kumimoji="1" lang="en-US" altLang="ko-KR" sz="1100" dirty="0"/>
+                  <a:t> </a:t>
+                </a:r>
+                <a:r>
+                  <a:rPr kumimoji="1" lang="en-US" altLang="ko-KR" sz="1100" dirty="0" smtClean="0"/>
+                  <a:t>in store parameter</a:t>
+                </a:r>
+                <a:endParaRPr kumimoji="1" lang="ko-KR" altLang="en-US" sz="1100" dirty="0"/>
+              </a:p>
+            </p:txBody>
+          </p:sp>
+          <p:sp>
+            <p:nvSpPr>
+              <p:cNvPr id="67" name="직사각형 66"/>
+              <p:cNvSpPr/>
+              <p:nvPr/>
+            </p:nvSpPr>
+            <p:spPr>
+              <a:xfrm>
+                <a:off x="5403003" y="5088182"/>
+                <a:ext cx="1344704" cy="564776"/>
+              </a:xfrm>
+              <a:prstGeom prst="rect">
+                <a:avLst/>
+              </a:prstGeom>
+              <a:solidFill>
+                <a:schemeClr val="tx1">
+                  <a:lumMod val="95000"/>
+                  <a:lumOff val="5000"/>
+                </a:schemeClr>
+              </a:solidFill>
+              <a:ln>
+                <a:solidFill>
+                  <a:schemeClr val="tx1">
+                    <a:lumMod val="50000"/>
+                    <a:lumOff val="50000"/>
+                  </a:schemeClr>
+                </a:solidFill>
+              </a:ln>
+            </p:spPr>
+            <p:style>
+              <a:lnRef idx="2">
+                <a:schemeClr val="accent1">
+                  <a:shade val="50000"/>
+                </a:schemeClr>
+              </a:lnRef>
+              <a:fillRef idx="1">
+                <a:schemeClr val="accent1"/>
+              </a:fillRef>
+              <a:effectRef idx="0">
+                <a:schemeClr val="accent1"/>
+              </a:effectRef>
+              <a:fontRef idx="minor">
+                <a:schemeClr val="lt1"/>
+              </a:fontRef>
+            </p:style>
+            <p:txBody>
+              <a:bodyPr rtlCol="0" anchor="ctr"/>
+              <a:lstStyle/>
+              <a:p>
+                <a:pPr algn="ctr"/>
+                <a:r>
+                  <a:rPr kumimoji="1" lang="en-US" altLang="ko-KR" sz="1200" dirty="0" err="1" smtClean="0"/>
+                  <a:t>CounterList.js</a:t>
+                </a:r>
+                <a:endParaRPr kumimoji="1" lang="ko-KR" altLang="en-US" sz="1200" dirty="0"/>
+              </a:p>
+            </p:txBody>
+          </p:sp>
+          <p:cxnSp>
+            <p:nvCxnSpPr>
+              <p:cNvPr id="68" name="직선 화살표 연결선 67"/>
+              <p:cNvCxnSpPr/>
+              <p:nvPr/>
+            </p:nvCxnSpPr>
+            <p:spPr>
+              <a:xfrm flipV="1">
+                <a:off x="6066390" y="4436171"/>
+                <a:ext cx="0" cy="487222"/>
+              </a:xfrm>
+              <a:prstGeom prst="straightConnector1">
+                <a:avLst/>
+              </a:prstGeom>
+              <a:ln>
+                <a:tailEnd type="triangle"/>
+              </a:ln>
+            </p:spPr>
+            <p:style>
+              <a:lnRef idx="1">
+                <a:schemeClr val="accent1"/>
+              </a:lnRef>
+              <a:fillRef idx="0">
+                <a:schemeClr val="accent1"/>
+              </a:fillRef>
+              <a:effectRef idx="0">
+                <a:schemeClr val="accent1"/>
+              </a:effectRef>
+              <a:fontRef idx="minor">
+                <a:schemeClr val="tx1"/>
+              </a:fontRef>
+            </p:style>
+          </p:cxnSp>
+          <p:cxnSp>
+            <p:nvCxnSpPr>
+              <p:cNvPr id="70" name="직선 화살표 연결선 69"/>
+              <p:cNvCxnSpPr/>
+              <p:nvPr/>
+            </p:nvCxnSpPr>
+            <p:spPr>
+              <a:xfrm flipV="1">
+                <a:off x="10631649" y="1428337"/>
+                <a:ext cx="735107" cy="5435"/>
+              </a:xfrm>
+              <a:prstGeom prst="straightConnector1">
+                <a:avLst/>
+              </a:prstGeom>
+              <a:ln>
+                <a:tailEnd type="triangle"/>
+              </a:ln>
+            </p:spPr>
+            <p:style>
+              <a:lnRef idx="1">
+                <a:schemeClr val="accent1"/>
+              </a:lnRef>
+              <a:fillRef idx="0">
+                <a:schemeClr val="accent1"/>
+              </a:fillRef>
+              <a:effectRef idx="0">
+                <a:schemeClr val="accent1"/>
+              </a:effectRef>
+              <a:fontRef idx="minor">
+                <a:schemeClr val="tx1"/>
+              </a:fontRef>
+            </p:style>
+          </p:cxnSp>
+          <p:sp>
+            <p:nvSpPr>
+              <p:cNvPr id="72" name="텍스트 상자 71"/>
+              <p:cNvSpPr txBox="1"/>
+              <p:nvPr/>
+            </p:nvSpPr>
+            <p:spPr>
+              <a:xfrm>
+                <a:off x="11469375" y="1267360"/>
+                <a:ext cx="413896" cy="276999"/>
+              </a:xfrm>
+              <a:prstGeom prst="rect">
+                <a:avLst/>
+              </a:prstGeom>
+              <a:noFill/>
+            </p:spPr>
+            <p:txBody>
+              <a:bodyPr wrap="none" rtlCol="0">
+                <a:spAutoFit/>
+              </a:bodyPr>
+              <a:lstStyle/>
+              <a:p>
+                <a:r>
+                  <a:rPr kumimoji="1" lang="en-US" altLang="ko-KR" sz="1200" smtClean="0"/>
+                  <a:t>call</a:t>
+                </a:r>
+                <a:endParaRPr kumimoji="1" lang="ko-KR" altLang="en-US" sz="1200" dirty="0"/>
+              </a:p>
+            </p:txBody>
+          </p:sp>
+          <p:cxnSp>
+            <p:nvCxnSpPr>
+              <p:cNvPr id="73" name="직선 화살표 연결선 72"/>
+              <p:cNvCxnSpPr/>
+              <p:nvPr/>
+            </p:nvCxnSpPr>
+            <p:spPr>
+              <a:xfrm flipH="1">
+                <a:off x="10631649" y="1750907"/>
+                <a:ext cx="519089" cy="6031"/>
+              </a:xfrm>
+              <a:prstGeom prst="straightConnector1">
+                <a:avLst/>
+              </a:prstGeom>
+              <a:ln>
+                <a:solidFill>
+                  <a:schemeClr val="accent2">
+                    <a:lumMod val="75000"/>
+                  </a:schemeClr>
+                </a:solidFill>
+                <a:tailEnd type="triangle"/>
+              </a:ln>
+            </p:spPr>
+            <p:style>
+              <a:lnRef idx="1">
+                <a:schemeClr val="accent1"/>
+              </a:lnRef>
+              <a:fillRef idx="0">
+                <a:schemeClr val="accent1"/>
+              </a:fillRef>
+              <a:effectRef idx="0">
+                <a:schemeClr val="accent1"/>
+              </a:effectRef>
+              <a:fontRef idx="minor">
+                <a:schemeClr val="tx1"/>
+              </a:fontRef>
+            </p:style>
+          </p:cxnSp>
+          <p:sp>
+            <p:nvSpPr>
+              <p:cNvPr id="75" name="텍스트 상자 74"/>
+              <p:cNvSpPr txBox="1"/>
+              <p:nvPr/>
+            </p:nvSpPr>
+            <p:spPr>
+              <a:xfrm>
+                <a:off x="11150738" y="1583542"/>
+                <a:ext cx="838691" cy="276999"/>
+              </a:xfrm>
+              <a:prstGeom prst="rect">
+                <a:avLst/>
+              </a:prstGeom>
+              <a:noFill/>
+            </p:spPr>
+            <p:txBody>
+              <a:bodyPr wrap="none" rtlCol="0">
+                <a:spAutoFit/>
+              </a:bodyPr>
+              <a:lstStyle/>
+              <a:p>
+                <a:r>
+                  <a:rPr kumimoji="1" lang="en-US" altLang="ko-KR" sz="1200" dirty="0" smtClean="0"/>
+                  <a:t>data flow</a:t>
+                </a:r>
+                <a:endParaRPr kumimoji="1" lang="ko-KR" altLang="en-US" sz="1200" dirty="0"/>
+              </a:p>
+            </p:txBody>
+          </p:sp>
+          <p:cxnSp>
+            <p:nvCxnSpPr>
+              <p:cNvPr id="79" name="직선 화살표 연결선 78"/>
+              <p:cNvCxnSpPr/>
+              <p:nvPr/>
+            </p:nvCxnSpPr>
+            <p:spPr>
+              <a:xfrm>
+                <a:off x="6834516" y="2455058"/>
+                <a:ext cx="785643" cy="51555"/>
+              </a:xfrm>
+              <a:prstGeom prst="straightConnector1">
+                <a:avLst/>
+              </a:prstGeom>
+              <a:ln>
+                <a:solidFill>
+                  <a:schemeClr val="accent2">
+                    <a:lumMod val="75000"/>
+                  </a:schemeClr>
+                </a:solidFill>
+                <a:tailEnd type="triangle"/>
+              </a:ln>
+            </p:spPr>
+            <p:style>
+              <a:lnRef idx="1">
+                <a:schemeClr val="accent1"/>
+              </a:lnRef>
+              <a:fillRef idx="0">
+                <a:schemeClr val="accent1"/>
+              </a:fillRef>
+              <a:effectRef idx="0">
+                <a:schemeClr val="accent1"/>
+              </a:effectRef>
+              <a:fontRef idx="minor">
+                <a:schemeClr val="tx1"/>
+              </a:fontRef>
+            </p:style>
+          </p:cxnSp>
+          <p:cxnSp>
+            <p:nvCxnSpPr>
+              <p:cNvPr id="82" name="직선 화살표 연결선 81"/>
+              <p:cNvCxnSpPr/>
+              <p:nvPr/>
+            </p:nvCxnSpPr>
+            <p:spPr>
+              <a:xfrm flipH="1">
+                <a:off x="6819829" y="3735898"/>
+                <a:ext cx="740168" cy="76318"/>
+              </a:xfrm>
+              <a:prstGeom prst="straightConnector1">
+                <a:avLst/>
+              </a:prstGeom>
+              <a:ln>
+                <a:solidFill>
+                  <a:schemeClr val="accent2">
+                    <a:lumMod val="75000"/>
+                  </a:schemeClr>
+                </a:solidFill>
+                <a:tailEnd type="triangle"/>
+              </a:ln>
+            </p:spPr>
+            <p:style>
+              <a:lnRef idx="1">
+                <a:schemeClr val="accent1"/>
+              </a:lnRef>
+              <a:fillRef idx="0">
+                <a:schemeClr val="accent1"/>
+              </a:fillRef>
+              <a:effectRef idx="0">
+                <a:schemeClr val="accent1"/>
+              </a:effectRef>
+              <a:fontRef idx="minor">
+                <a:schemeClr val="tx1"/>
+              </a:fontRef>
+            </p:style>
+          </p:cxnSp>
+          <p:cxnSp>
+            <p:nvCxnSpPr>
+              <p:cNvPr id="86" name="직선 화살표 연결선 85"/>
+              <p:cNvCxnSpPr/>
+              <p:nvPr/>
+            </p:nvCxnSpPr>
+            <p:spPr>
+              <a:xfrm>
+                <a:off x="6834516" y="4054379"/>
+                <a:ext cx="785643" cy="51555"/>
+              </a:xfrm>
+              <a:prstGeom prst="straightConnector1">
+                <a:avLst/>
+              </a:prstGeom>
+              <a:ln>
+                <a:solidFill>
+                  <a:schemeClr val="accent2">
+                    <a:lumMod val="75000"/>
+                  </a:schemeClr>
+                </a:solidFill>
+                <a:tailEnd type="triangle"/>
+              </a:ln>
+            </p:spPr>
+            <p:style>
+              <a:lnRef idx="1">
+                <a:schemeClr val="accent1"/>
+              </a:lnRef>
+              <a:fillRef idx="0">
+                <a:schemeClr val="accent1"/>
+              </a:fillRef>
+              <a:effectRef idx="0">
+                <a:schemeClr val="accent1"/>
+              </a:effectRef>
+              <a:fontRef idx="minor">
+                <a:schemeClr val="tx1"/>
+              </a:fontRef>
+            </p:style>
+          </p:cxnSp>
+          <p:cxnSp>
+            <p:nvCxnSpPr>
+              <p:cNvPr id="87" name="직선 화살표 연결선 86"/>
+              <p:cNvCxnSpPr/>
+              <p:nvPr/>
+            </p:nvCxnSpPr>
+            <p:spPr>
+              <a:xfrm flipH="1">
+                <a:off x="6879991" y="5448522"/>
+                <a:ext cx="740168" cy="76318"/>
+              </a:xfrm>
+              <a:prstGeom prst="straightConnector1">
+                <a:avLst/>
+              </a:prstGeom>
+              <a:ln>
+                <a:solidFill>
+                  <a:schemeClr val="accent2">
+                    <a:lumMod val="75000"/>
+                  </a:schemeClr>
+                </a:solidFill>
+                <a:tailEnd type="triangle"/>
+              </a:ln>
+            </p:spPr>
+            <p:style>
+              <a:lnRef idx="1">
+                <a:schemeClr val="accent1"/>
+              </a:lnRef>
+              <a:fillRef idx="0">
+                <a:schemeClr val="accent1"/>
+              </a:fillRef>
+              <a:effectRef idx="0">
+                <a:schemeClr val="accent1"/>
+              </a:effectRef>
+              <a:fontRef idx="minor">
+                <a:schemeClr val="tx1"/>
+              </a:fontRef>
+            </p:style>
+          </p:cxnSp>
+          <p:cxnSp>
+            <p:nvCxnSpPr>
+              <p:cNvPr id="93" name="직선 화살표 연결선 92"/>
+              <p:cNvCxnSpPr/>
+              <p:nvPr/>
+            </p:nvCxnSpPr>
+            <p:spPr>
+              <a:xfrm flipV="1">
+                <a:off x="3323157" y="1477710"/>
+                <a:ext cx="1719031" cy="723081"/>
+              </a:xfrm>
+              <a:prstGeom prst="straightConnector1">
+                <a:avLst/>
+              </a:prstGeom>
+              <a:ln>
+                <a:solidFill>
+                  <a:schemeClr val="accent2">
+                    <a:lumMod val="75000"/>
+                  </a:schemeClr>
+                </a:solidFill>
+                <a:tailEnd type="triangle"/>
+              </a:ln>
+            </p:spPr>
+            <p:style>
+              <a:lnRef idx="1">
+                <a:schemeClr val="accent1"/>
+              </a:lnRef>
+              <a:fillRef idx="0">
+                <a:schemeClr val="accent1"/>
+              </a:fillRef>
+              <a:effectRef idx="0">
+                <a:schemeClr val="accent1"/>
+              </a:effectRef>
+              <a:fontRef idx="minor">
+                <a:schemeClr val="tx1"/>
+              </a:fontRef>
+            </p:style>
+          </p:cxnSp>
+          <p:sp>
+            <p:nvSpPr>
+              <p:cNvPr id="98" name="직사각형 97"/>
+              <p:cNvSpPr/>
+              <p:nvPr/>
+            </p:nvSpPr>
+            <p:spPr>
+              <a:xfrm>
+                <a:off x="5403003" y="5917398"/>
+                <a:ext cx="1344704" cy="564776"/>
+              </a:xfrm>
+              <a:prstGeom prst="rect">
+                <a:avLst/>
+              </a:prstGeom>
+              <a:solidFill>
+                <a:schemeClr val="tx1">
+                  <a:lumMod val="95000"/>
+                  <a:lumOff val="5000"/>
+                </a:schemeClr>
+              </a:solidFill>
+              <a:ln>
+                <a:solidFill>
+                  <a:schemeClr val="tx1">
+                    <a:lumMod val="50000"/>
+                    <a:lumOff val="50000"/>
+                  </a:schemeClr>
+                </a:solidFill>
+              </a:ln>
+            </p:spPr>
+            <p:style>
+              <a:lnRef idx="2">
+                <a:schemeClr val="accent1">
+                  <a:shade val="50000"/>
+                </a:schemeClr>
+              </a:lnRef>
+              <a:fillRef idx="1">
+                <a:schemeClr val="accent1"/>
+              </a:fillRef>
+              <a:effectRef idx="0">
+                <a:schemeClr val="accent1"/>
+              </a:effectRef>
+              <a:fontRef idx="minor">
+                <a:schemeClr val="lt1"/>
+              </a:fontRef>
+            </p:style>
+            <p:txBody>
+              <a:bodyPr rtlCol="0" anchor="ctr"/>
+              <a:lstStyle/>
+              <a:p>
+                <a:pPr algn="ctr"/>
+                <a:r>
+                  <a:rPr kumimoji="1" lang="en-US" altLang="ko-KR" sz="1200" dirty="0" err="1" smtClean="0"/>
+                  <a:t>Counter.js</a:t>
+                </a:r>
+                <a:endParaRPr kumimoji="1" lang="ko-KR" altLang="en-US" sz="1200" dirty="0"/>
+              </a:p>
+            </p:txBody>
+          </p:sp>
+          <p:cxnSp>
+            <p:nvCxnSpPr>
+              <p:cNvPr id="99" name="직선 화살표 연결선 98"/>
+              <p:cNvCxnSpPr/>
+              <p:nvPr/>
+            </p:nvCxnSpPr>
+            <p:spPr>
+              <a:xfrm flipH="1">
+                <a:off x="6158262" y="5728781"/>
+                <a:ext cx="8964" cy="177932"/>
+              </a:xfrm>
+              <a:prstGeom prst="straightConnector1">
+                <a:avLst/>
+              </a:prstGeom>
+              <a:ln>
+                <a:solidFill>
+                  <a:schemeClr val="accent2">
+                    <a:lumMod val="75000"/>
+                  </a:schemeClr>
+                </a:solidFill>
+                <a:tailEnd type="triangle"/>
+              </a:ln>
+            </p:spPr>
+            <p:style>
+              <a:lnRef idx="1">
+                <a:schemeClr val="accent1"/>
+              </a:lnRef>
+              <a:fillRef idx="0">
+                <a:schemeClr val="accent1"/>
+              </a:fillRef>
+              <a:effectRef idx="0">
+                <a:schemeClr val="accent1"/>
+              </a:effectRef>
+              <a:fontRef idx="minor">
+                <a:schemeClr val="tx1"/>
+              </a:fontRef>
+            </p:style>
+          </p:cxnSp>
+          <p:sp>
+            <p:nvSpPr>
+              <p:cNvPr id="102" name="타원 101"/>
+              <p:cNvSpPr/>
+              <p:nvPr/>
+            </p:nvSpPr>
+            <p:spPr>
+              <a:xfrm>
+                <a:off x="6849239" y="4517309"/>
+                <a:ext cx="3366279" cy="389845"/>
+              </a:xfrm>
+              <a:prstGeom prst="ellipse">
+                <a:avLst/>
+              </a:prstGeom>
+            </p:spPr>
+            <p:style>
+              <a:lnRef idx="2">
+                <a:schemeClr val="accent1">
+                  <a:shade val="50000"/>
+                </a:schemeClr>
+              </a:lnRef>
+              <a:fillRef idx="1">
+                <a:schemeClr val="accent1"/>
+              </a:fillRef>
+              <a:effectRef idx="0">
+                <a:schemeClr val="accent1"/>
+              </a:effectRef>
+              <a:fontRef idx="minor">
+                <a:schemeClr val="lt1"/>
+              </a:fontRef>
+            </p:style>
+            <p:txBody>
+              <a:bodyPr rtlCol="0" anchor="ctr"/>
+              <a:lstStyle/>
+              <a:p>
+                <a:pPr algn="ctr"/>
+                <a:r>
+                  <a:rPr kumimoji="1" lang="en-US" altLang="ko-KR" sz="1050" dirty="0"/>
+                  <a:t>c</a:t>
+                </a:r>
+                <a:r>
+                  <a:rPr kumimoji="1" lang="en-US" altLang="ko-KR" sz="1050" dirty="0" smtClean="0"/>
+                  <a:t>onnect(null, </a:t>
+                </a:r>
+                <a:r>
+                  <a:rPr kumimoji="1" lang="en-US" altLang="ko-KR" sz="1050" dirty="0" err="1" smtClean="0"/>
+                  <a:t>mapToDispatch</a:t>
+                </a:r>
+                <a:r>
+                  <a:rPr kumimoji="1" lang="en-US" altLang="ko-KR" sz="1050" dirty="0" smtClean="0"/>
+                  <a:t>)(App)</a:t>
+                </a:r>
+                <a:endParaRPr kumimoji="1" lang="ko-KR" altLang="en-US" sz="1050" dirty="0"/>
+              </a:p>
+            </p:txBody>
+          </p:sp>
+          <p:sp>
+            <p:nvSpPr>
+              <p:cNvPr id="105" name="텍스트 상자 104"/>
+              <p:cNvSpPr txBox="1"/>
+              <p:nvPr/>
+            </p:nvSpPr>
+            <p:spPr>
+              <a:xfrm>
+                <a:off x="2886143" y="4556125"/>
+                <a:ext cx="184731" cy="369332"/>
+              </a:xfrm>
+              <a:prstGeom prst="rect">
+                <a:avLst/>
+              </a:prstGeom>
+              <a:noFill/>
+            </p:spPr>
+            <p:txBody>
+              <a:bodyPr wrap="none" rtlCol="0">
+                <a:spAutoFit/>
+              </a:bodyPr>
+              <a:lstStyle/>
+              <a:p>
+                <a:endParaRPr kumimoji="1" lang="ko-KR" altLang="en-US" dirty="0"/>
+              </a:p>
+            </p:txBody>
+          </p:sp>
+        </p:grpSp>
+      </p:grpSp>
+    </p:spTree>
+    <p:extLst>
+      <p:ext uri="{BB962C8B-B14F-4D97-AF65-F5344CB8AC3E}">
+        <p14:creationId xmlns:p14="http://schemas.microsoft.com/office/powerpoint/2010/main" val="1131530865"/>
       </p:ext>
     </p:extLst>
   </p:cSld>
@@ -4652,4 +6968,265 @@
     </a:ext>
   </a:extLst>
 </a:theme>
+</file>
+
+<file path=ppt/theme/theme2.xml><?xml version="1.0" encoding="utf-8"?>
+<a:theme xmlns:a="http://schemas.openxmlformats.org/drawingml/2006/main" name="Office 테마">
+  <a:themeElements>
+    <a:clrScheme name="Office">
+      <a:dk1>
+        <a:sysClr val="windowText" lastClr="000000"/>
+      </a:dk1>
+      <a:lt1>
+        <a:sysClr val="window" lastClr="FFFFFF"/>
+      </a:lt1>
+      <a:dk2>
+        <a:srgbClr val="44546A"/>
+      </a:dk2>
+      <a:lt2>
+        <a:srgbClr val="E7E6E6"/>
+      </a:lt2>
+      <a:accent1>
+        <a:srgbClr val="4472C4"/>
+      </a:accent1>
+      <a:accent2>
+        <a:srgbClr val="ED7D31"/>
+      </a:accent2>
+      <a:accent3>
+        <a:srgbClr val="A5A5A5"/>
+      </a:accent3>
+      <a:accent4>
+        <a:srgbClr val="FFC000"/>
+      </a:accent4>
+      <a:accent5>
+        <a:srgbClr val="5B9BD5"/>
+      </a:accent5>
+      <a:accent6>
+        <a:srgbClr val="70AD47"/>
+      </a:accent6>
+      <a:hlink>
+        <a:srgbClr val="0563C1"/>
+      </a:hlink>
+      <a:folHlink>
+        <a:srgbClr val="954F72"/>
+      </a:folHlink>
+    </a:clrScheme>
+    <a:fontScheme name="Office">
+      <a:majorFont>
+        <a:latin typeface="맑은 고딕" panose="020F0302020204030204"/>
+        <a:ea typeface=""/>
+        <a:cs typeface=""/>
+        <a:font script="Jpan" typeface="Yu Gothic Light"/>
+        <a:font script="Hang" typeface="맑은 고딕"/>
+        <a:font script="Hans" typeface="DengXian Light"/>
+        <a:font script="Hant" typeface="新細明體"/>
+        <a:font script="Arab" typeface="Times New Roman"/>
+        <a:font script="Hebr" typeface="Times New Roman"/>
+        <a:font script="Thai" typeface="Angsana New"/>
+        <a:font script="Ethi" typeface="Nyala"/>
+        <a:font script="Beng" typeface="Vrinda"/>
+        <a:font script="Gujr" typeface="Shruti"/>
+        <a:font script="Khmr" typeface="MoolBoran"/>
+        <a:font script="Knda" typeface="Tunga"/>
+        <a:font script="Guru" typeface="Raavi"/>
+        <a:font script="Cans" typeface="Euphemia"/>
+        <a:font script="Cher" typeface="Plantagenet Cherokee"/>
+        <a:font script="Yiii" typeface="Microsoft Yi Baiti"/>
+        <a:font script="Tibt" typeface="Microsoft Himalaya"/>
+        <a:font script="Thaa" typeface="MV Boli"/>
+        <a:font script="Deva" typeface="Mangal"/>
+        <a:font script="Telu" typeface="Gautami"/>
+        <a:font script="Taml" typeface="Latha"/>
+        <a:font script="Syrc" typeface="Estrangelo Edessa"/>
+        <a:font script="Orya" typeface="Kalinga"/>
+        <a:font script="Mlym" typeface="Kartika"/>
+        <a:font script="Laoo" typeface="DokChampa"/>
+        <a:font script="Sinh" typeface="Iskoola Pota"/>
+        <a:font script="Mong" typeface="Mongolian Baiti"/>
+        <a:font script="Viet" typeface="Times New Roman"/>
+        <a:font script="Uigh" typeface="Microsoft Uighur"/>
+        <a:font script="Geor" typeface="Sylfaen"/>
+      </a:majorFont>
+      <a:minorFont>
+        <a:latin typeface="맑은 고딕" panose="020F0502020204030204"/>
+        <a:ea typeface=""/>
+        <a:cs typeface=""/>
+        <a:font script="Jpan" typeface="Yu Gothic"/>
+        <a:font script="Hang" typeface="맑은 고딕"/>
+        <a:font script="Hans" typeface="DengXian"/>
+        <a:font script="Hant" typeface="新細明體"/>
+        <a:font script="Arab" typeface="Arial"/>
+        <a:font script="Hebr" typeface="Arial"/>
+        <a:font script="Thai" typeface="Cordia New"/>
+        <a:font script="Ethi" typeface="Nyala"/>
+        <a:font script="Beng" typeface="Vrinda"/>
+        <a:font script="Gujr" typeface="Shruti"/>
+        <a:font script="Khmr" typeface="DaunPenh"/>
+        <a:font script="Knda" typeface="Tunga"/>
+        <a:font script="Guru" typeface="Raavi"/>
+        <a:font script="Cans" typeface="Euphemia"/>
+        <a:font script="Cher" typeface="Plantagenet Cherokee"/>
+        <a:font script="Yiii" typeface="Microsoft Yi Baiti"/>
+        <a:font script="Tibt" typeface="Microsoft Himalaya"/>
+        <a:font script="Thaa" typeface="MV Boli"/>
+        <a:font script="Deva" typeface="Mangal"/>
+        <a:font script="Telu" typeface="Gautami"/>
+        <a:font script="Taml" typeface="Latha"/>
+        <a:font script="Syrc" typeface="Estrangelo Edessa"/>
+        <a:font script="Orya" typeface="Kalinga"/>
+        <a:font script="Mlym" typeface="Kartika"/>
+        <a:font script="Laoo" typeface="DokChampa"/>
+        <a:font script="Sinh" typeface="Iskoola Pota"/>
+        <a:font script="Mong" typeface="Mongolian Baiti"/>
+        <a:font script="Viet" typeface="Arial"/>
+        <a:font script="Uigh" typeface="Microsoft Uighur"/>
+        <a:font script="Geor" typeface="Sylfaen"/>
+      </a:minorFont>
+    </a:fontScheme>
+    <a:fmtScheme name="Office">
+      <a:fillStyleLst>
+        <a:solidFill>
+          <a:schemeClr val="phClr"/>
+        </a:solidFill>
+        <a:gradFill rotWithShape="1">
+          <a:gsLst>
+            <a:gs pos="0">
+              <a:schemeClr val="phClr">
+                <a:lumMod val="110000"/>
+                <a:satMod val="105000"/>
+                <a:tint val="67000"/>
+              </a:schemeClr>
+            </a:gs>
+            <a:gs pos="50000">
+              <a:schemeClr val="phClr">
+                <a:lumMod val="105000"/>
+                <a:satMod val="103000"/>
+                <a:tint val="73000"/>
+              </a:schemeClr>
+            </a:gs>
+            <a:gs pos="100000">
+              <a:schemeClr val="phClr">
+                <a:lumMod val="105000"/>
+                <a:satMod val="109000"/>
+                <a:tint val="81000"/>
+              </a:schemeClr>
+            </a:gs>
+          </a:gsLst>
+          <a:lin ang="5400000" scaled="0"/>
+        </a:gradFill>
+        <a:gradFill rotWithShape="1">
+          <a:gsLst>
+            <a:gs pos="0">
+              <a:schemeClr val="phClr">
+                <a:satMod val="103000"/>
+                <a:lumMod val="102000"/>
+                <a:tint val="94000"/>
+              </a:schemeClr>
+            </a:gs>
+            <a:gs pos="50000">
+              <a:schemeClr val="phClr">
+                <a:satMod val="110000"/>
+                <a:lumMod val="100000"/>
+                <a:shade val="100000"/>
+              </a:schemeClr>
+            </a:gs>
+            <a:gs pos="100000">
+              <a:schemeClr val="phClr">
+                <a:lumMod val="99000"/>
+                <a:satMod val="120000"/>
+                <a:shade val="78000"/>
+              </a:schemeClr>
+            </a:gs>
+          </a:gsLst>
+          <a:lin ang="5400000" scaled="0"/>
+        </a:gradFill>
+      </a:fillStyleLst>
+      <a:lnStyleLst>
+        <a:ln w="6350" cap="flat" cmpd="sng" algn="ctr">
+          <a:solidFill>
+            <a:schemeClr val="phClr"/>
+          </a:solidFill>
+          <a:prstDash val="solid"/>
+          <a:miter lim="800000"/>
+        </a:ln>
+        <a:ln w="12700" cap="flat" cmpd="sng" algn="ctr">
+          <a:solidFill>
+            <a:schemeClr val="phClr"/>
+          </a:solidFill>
+          <a:prstDash val="solid"/>
+          <a:miter lim="800000"/>
+        </a:ln>
+        <a:ln w="19050" cap="flat" cmpd="sng" algn="ctr">
+          <a:solidFill>
+            <a:schemeClr val="phClr"/>
+          </a:solidFill>
+          <a:prstDash val="solid"/>
+          <a:miter lim="800000"/>
+        </a:ln>
+      </a:lnStyleLst>
+      <a:effectStyleLst>
+        <a:effectStyle>
+          <a:effectLst/>
+        </a:effectStyle>
+        <a:effectStyle>
+          <a:effectLst/>
+        </a:effectStyle>
+        <a:effectStyle>
+          <a:effectLst>
+            <a:outerShdw blurRad="57150" dist="19050" dir="5400000" algn="ctr" rotWithShape="0">
+              <a:srgbClr val="000000">
+                <a:alpha val="63000"/>
+              </a:srgbClr>
+            </a:outerShdw>
+          </a:effectLst>
+        </a:effectStyle>
+      </a:effectStyleLst>
+      <a:bgFillStyleLst>
+        <a:solidFill>
+          <a:schemeClr val="phClr"/>
+        </a:solidFill>
+        <a:solidFill>
+          <a:schemeClr val="phClr">
+            <a:tint val="95000"/>
+            <a:satMod val="170000"/>
+          </a:schemeClr>
+        </a:solidFill>
+        <a:gradFill rotWithShape="1">
+          <a:gsLst>
+            <a:gs pos="0">
+              <a:schemeClr val="phClr">
+                <a:tint val="93000"/>
+                <a:satMod val="150000"/>
+                <a:shade val="98000"/>
+                <a:lumMod val="102000"/>
+              </a:schemeClr>
+            </a:gs>
+            <a:gs pos="50000">
+              <a:schemeClr val="phClr">
+                <a:tint val="98000"/>
+                <a:satMod val="130000"/>
+                <a:shade val="90000"/>
+                <a:lumMod val="103000"/>
+              </a:schemeClr>
+            </a:gs>
+            <a:gs pos="100000">
+              <a:schemeClr val="phClr">
+                <a:shade val="63000"/>
+                <a:satMod val="120000"/>
+              </a:schemeClr>
+            </a:gs>
+          </a:gsLst>
+          <a:lin ang="5400000" scaled="0"/>
+        </a:gradFill>
+      </a:bgFillStyleLst>
+    </a:fmtScheme>
+  </a:themeElements>
+  <a:objectDefaults/>
+  <a:extraClrSchemeLst/>
+  <a:extLst>
+    <a:ext uri="{05A4C25C-085E-4340-85A3-A5531E510DB2}">
+      <thm15:themeFamily xmlns:thm15="http://schemas.microsoft.com/office/thememl/2012/main" name="Office Theme" id="{62F939B6-93AF-4DB8-9C6B-D6C7DFDC589F}" vid="{4A3C46E8-61CC-4603-A589-7422A47A8E4A}"/>
+    </a:ext>
+  </a:extLst>
+</a:theme>
 </file>